--- a/MEMO.pptx
+++ b/MEMO.pptx
@@ -9,6 +9,9 @@
     <p:sldId id="257" r:id="rId3"/>
     <p:sldId id="258" r:id="rId4"/>
     <p:sldId id="259" r:id="rId5"/>
+    <p:sldId id="260" r:id="rId6"/>
+    <p:sldId id="261" r:id="rId7"/>
+    <p:sldId id="262" r:id="rId8"/>
   </p:sldIdLst>
   <p:sldSz cx="12192000" cy="6858000"/>
   <p:notesSz cx="6858000" cy="9144000"/>
@@ -118,7 +121,7 @@
 <file path=ppt/revisionInfo.xml><?xml version="1.0" encoding="utf-8"?>
 <p1510:revInfo xmlns:a="http://schemas.openxmlformats.org/drawingml/2006/main" xmlns:r="http://schemas.openxmlformats.org/officeDocument/2006/relationships" xmlns:p1510="http://schemas.microsoft.com/office/powerpoint/2015/10/main">
   <p1510:revLst>
-    <p1510:client id="{EAE1BEBB-6456-43DC-8AAC-5BDBBC8C24D9}" v="8" dt="2024-04-07T15:20:21.489"/>
+    <p1510:client id="{EAE1BEBB-6456-43DC-8AAC-5BDBBC8C24D9}" v="9" dt="2024-04-07T15:43:17.247"/>
   </p1510:revLst>
 </p1510:revInfo>
 </file>
@@ -128,7 +131,7 @@
   <pc:docChgLst>
     <pc:chgData name="witaya chaison" userId="aafc0013979b2c41" providerId="LiveId" clId="{EAE1BEBB-6456-43DC-8AAC-5BDBBC8C24D9}"/>
     <pc:docChg chg="custSel addSld modSld">
-      <pc:chgData name="witaya chaison" userId="aafc0013979b2c41" providerId="LiveId" clId="{EAE1BEBB-6456-43DC-8AAC-5BDBBC8C24D9}" dt="2024-04-07T15:20:46.971" v="145" actId="1076"/>
+      <pc:chgData name="witaya chaison" userId="aafc0013979b2c41" providerId="LiveId" clId="{EAE1BEBB-6456-43DC-8AAC-5BDBBC8C24D9}" dt="2024-04-07T15:44:35.032" v="269" actId="20577"/>
       <pc:docMkLst>
         <pc:docMk/>
       </pc:docMkLst>
@@ -311,6 +314,83 @@
             <ac:picMk id="5" creationId="{C2718145-3CF0-4FAE-B1C7-7C62D7F7FC5A}"/>
           </ac:picMkLst>
         </pc:picChg>
+      </pc:sldChg>
+      <pc:sldChg chg="addSp delSp modSp new mod">
+        <pc:chgData name="witaya chaison" userId="aafc0013979b2c41" providerId="LiveId" clId="{EAE1BEBB-6456-43DC-8AAC-5BDBBC8C24D9}" dt="2024-04-07T15:34:00.685" v="152" actId="1076"/>
+        <pc:sldMkLst>
+          <pc:docMk/>
+          <pc:sldMk cId="3067581212" sldId="260"/>
+        </pc:sldMkLst>
+        <pc:spChg chg="del">
+          <ac:chgData name="witaya chaison" userId="aafc0013979b2c41" providerId="LiveId" clId="{EAE1BEBB-6456-43DC-8AAC-5BDBBC8C24D9}" dt="2024-04-07T15:33:33.124" v="147" actId="478"/>
+          <ac:spMkLst>
+            <pc:docMk/>
+            <pc:sldMk cId="3067581212" sldId="260"/>
+            <ac:spMk id="2" creationId="{27EA8AF6-F29C-371A-3FB4-D2DCB9C3D11F}"/>
+          </ac:spMkLst>
+        </pc:spChg>
+        <pc:spChg chg="del">
+          <ac:chgData name="witaya chaison" userId="aafc0013979b2c41" providerId="LiveId" clId="{EAE1BEBB-6456-43DC-8AAC-5BDBBC8C24D9}" dt="2024-04-07T15:33:35.448" v="148" actId="478"/>
+          <ac:spMkLst>
+            <pc:docMk/>
+            <pc:sldMk cId="3067581212" sldId="260"/>
+            <ac:spMk id="3" creationId="{8A4023D9-C188-7309-9DEF-4C79E010241A}"/>
+          </ac:spMkLst>
+        </pc:spChg>
+        <pc:picChg chg="add mod">
+          <ac:chgData name="witaya chaison" userId="aafc0013979b2c41" providerId="LiveId" clId="{EAE1BEBB-6456-43DC-8AAC-5BDBBC8C24D9}" dt="2024-04-07T15:33:38.383" v="150" actId="1076"/>
+          <ac:picMkLst>
+            <pc:docMk/>
+            <pc:sldMk cId="3067581212" sldId="260"/>
+            <ac:picMk id="5" creationId="{7E2F3A29-F6F1-A728-4084-27AF4B23CCB3}"/>
+          </ac:picMkLst>
+        </pc:picChg>
+        <pc:picChg chg="add mod">
+          <ac:chgData name="witaya chaison" userId="aafc0013979b2c41" providerId="LiveId" clId="{EAE1BEBB-6456-43DC-8AAC-5BDBBC8C24D9}" dt="2024-04-07T15:34:00.685" v="152" actId="1076"/>
+          <ac:picMkLst>
+            <pc:docMk/>
+            <pc:sldMk cId="3067581212" sldId="260"/>
+            <ac:picMk id="7" creationId="{10A2556E-06E2-4A47-9FCA-017752E5EED5}"/>
+          </ac:picMkLst>
+        </pc:picChg>
+      </pc:sldChg>
+      <pc:sldChg chg="addSp delSp modSp new mod">
+        <pc:chgData name="witaya chaison" userId="aafc0013979b2c41" providerId="LiveId" clId="{EAE1BEBB-6456-43DC-8AAC-5BDBBC8C24D9}" dt="2024-04-07T15:44:35.032" v="269" actId="20577"/>
+        <pc:sldMkLst>
+          <pc:docMk/>
+          <pc:sldMk cId="233793857" sldId="261"/>
+        </pc:sldMkLst>
+        <pc:spChg chg="del">
+          <ac:chgData name="witaya chaison" userId="aafc0013979b2c41" providerId="LiveId" clId="{EAE1BEBB-6456-43DC-8AAC-5BDBBC8C24D9}" dt="2024-04-07T15:43:11.943" v="156" actId="478"/>
+          <ac:spMkLst>
+            <pc:docMk/>
+            <pc:sldMk cId="233793857" sldId="261"/>
+            <ac:spMk id="2" creationId="{022B58CB-8364-B3E4-092E-237D97E43D6F}"/>
+          </ac:spMkLst>
+        </pc:spChg>
+        <pc:spChg chg="del">
+          <ac:chgData name="witaya chaison" userId="aafc0013979b2c41" providerId="LiveId" clId="{EAE1BEBB-6456-43DC-8AAC-5BDBBC8C24D9}" dt="2024-04-07T15:43:09.929" v="155" actId="478"/>
+          <ac:spMkLst>
+            <pc:docMk/>
+            <pc:sldMk cId="233793857" sldId="261"/>
+            <ac:spMk id="3" creationId="{D83F4E2D-15F8-7677-B8A1-96F8BB90BB5B}"/>
+          </ac:spMkLst>
+        </pc:spChg>
+        <pc:spChg chg="add mod">
+          <ac:chgData name="witaya chaison" userId="aafc0013979b2c41" providerId="LiveId" clId="{EAE1BEBB-6456-43DC-8AAC-5BDBBC8C24D9}" dt="2024-04-07T15:44:35.032" v="269" actId="20577"/>
+          <ac:spMkLst>
+            <pc:docMk/>
+            <pc:sldMk cId="233793857" sldId="261"/>
+            <ac:spMk id="4" creationId="{E2E8486A-53A6-70EA-5800-2E83D794347A}"/>
+          </ac:spMkLst>
+        </pc:spChg>
+      </pc:sldChg>
+      <pc:sldChg chg="new">
+        <pc:chgData name="witaya chaison" userId="aafc0013979b2c41" providerId="LiveId" clId="{EAE1BEBB-6456-43DC-8AAC-5BDBBC8C24D9}" dt="2024-04-07T15:43:05.677" v="154" actId="680"/>
+        <pc:sldMkLst>
+          <pc:docMk/>
+          <pc:sldMk cId="2395981231" sldId="262"/>
+        </pc:sldMkLst>
       </pc:sldChg>
     </pc:docChg>
   </pc:docChgLst>
@@ -4372,6 +4452,251 @@
 </p:sld>
 </file>
 
+<file path=ppt/slides/slide5.xml><?xml version="1.0" encoding="utf-8"?>
+<p:sld xmlns:a="http://schemas.openxmlformats.org/drawingml/2006/main" xmlns:r="http://schemas.openxmlformats.org/officeDocument/2006/relationships" xmlns:p="http://schemas.openxmlformats.org/presentationml/2006/main">
+  <p:cSld>
+    <p:spTree>
+      <p:nvGrpSpPr>
+        <p:cNvPr id="1" name=""/>
+        <p:cNvGrpSpPr/>
+        <p:nvPr/>
+      </p:nvGrpSpPr>
+      <p:grpSpPr>
+        <a:xfrm>
+          <a:off x="0" y="0"/>
+          <a:ext cx="0" cy="0"/>
+          <a:chOff x="0" y="0"/>
+          <a:chExt cx="0" cy="0"/>
+        </a:xfrm>
+      </p:grpSpPr>
+      <p:pic>
+        <p:nvPicPr>
+          <p:cNvPr id="5" name="Picture 4">
+            <a:extLst>
+              <a:ext uri="{FF2B5EF4-FFF2-40B4-BE49-F238E27FC236}">
+                <a16:creationId xmlns:a16="http://schemas.microsoft.com/office/drawing/2014/main" id="{7E2F3A29-F6F1-A728-4084-27AF4B23CCB3}"/>
+              </a:ext>
+            </a:extLst>
+          </p:cNvPr>
+          <p:cNvPicPr>
+            <a:picLocks noChangeAspect="1"/>
+          </p:cNvPicPr>
+          <p:nvPr/>
+        </p:nvPicPr>
+        <p:blipFill>
+          <a:blip r:embed="rId2"/>
+          <a:stretch>
+            <a:fillRect/>
+          </a:stretch>
+        </p:blipFill>
+        <p:spPr>
+          <a:xfrm>
+            <a:off x="416221" y="358575"/>
+            <a:ext cx="5763429" cy="1952898"/>
+          </a:xfrm>
+          <a:prstGeom prst="rect">
+            <a:avLst/>
+          </a:prstGeom>
+        </p:spPr>
+      </p:pic>
+      <p:pic>
+        <p:nvPicPr>
+          <p:cNvPr id="7" name="Picture 6">
+            <a:extLst>
+              <a:ext uri="{FF2B5EF4-FFF2-40B4-BE49-F238E27FC236}">
+                <a16:creationId xmlns:a16="http://schemas.microsoft.com/office/drawing/2014/main" id="{10A2556E-06E2-4A47-9FCA-017752E5EED5}"/>
+              </a:ext>
+            </a:extLst>
+          </p:cNvPr>
+          <p:cNvPicPr>
+            <a:picLocks noChangeAspect="1"/>
+          </p:cNvPicPr>
+          <p:nvPr/>
+        </p:nvPicPr>
+        <p:blipFill>
+          <a:blip r:embed="rId3"/>
+          <a:stretch>
+            <a:fillRect/>
+          </a:stretch>
+        </p:blipFill>
+        <p:spPr>
+          <a:xfrm>
+            <a:off x="613566" y="1956274"/>
+            <a:ext cx="5953956" cy="2305372"/>
+          </a:xfrm>
+          <a:prstGeom prst="rect">
+            <a:avLst/>
+          </a:prstGeom>
+        </p:spPr>
+      </p:pic>
+    </p:spTree>
+    <p:extLst>
+      <p:ext uri="{BB962C8B-B14F-4D97-AF65-F5344CB8AC3E}">
+        <p14:creationId xmlns:p14="http://schemas.microsoft.com/office/powerpoint/2010/main" val="3067581212"/>
+      </p:ext>
+    </p:extLst>
+  </p:cSld>
+  <p:clrMapOvr>
+    <a:masterClrMapping/>
+  </p:clrMapOvr>
+</p:sld>
+</file>
+
+<file path=ppt/slides/slide6.xml><?xml version="1.0" encoding="utf-8"?>
+<p:sld xmlns:a="http://schemas.openxmlformats.org/drawingml/2006/main" xmlns:r="http://schemas.openxmlformats.org/officeDocument/2006/relationships" xmlns:p="http://schemas.openxmlformats.org/presentationml/2006/main">
+  <p:cSld>
+    <p:spTree>
+      <p:nvGrpSpPr>
+        <p:cNvPr id="1" name=""/>
+        <p:cNvGrpSpPr/>
+        <p:nvPr/>
+      </p:nvGrpSpPr>
+      <p:grpSpPr>
+        <a:xfrm>
+          <a:off x="0" y="0"/>
+          <a:ext cx="0" cy="0"/>
+          <a:chOff x="0" y="0"/>
+          <a:chExt cx="0" cy="0"/>
+        </a:xfrm>
+      </p:grpSpPr>
+      <p:sp>
+        <p:nvSpPr>
+          <p:cNvPr id="4" name="TextBox 3">
+            <a:extLst>
+              <a:ext uri="{FF2B5EF4-FFF2-40B4-BE49-F238E27FC236}">
+                <a16:creationId xmlns:a16="http://schemas.microsoft.com/office/drawing/2014/main" id="{E2E8486A-53A6-70EA-5800-2E83D794347A}"/>
+              </a:ext>
+            </a:extLst>
+          </p:cNvPr>
+          <p:cNvSpPr txBox="1"/>
+          <p:nvPr/>
+        </p:nvSpPr>
+        <p:spPr>
+          <a:xfrm>
+            <a:off x="758952" y="877824"/>
+            <a:ext cx="4063356" cy="646331"/>
+          </a:xfrm>
+          <a:prstGeom prst="rect">
+            <a:avLst/>
+          </a:prstGeom>
+          <a:noFill/>
+        </p:spPr>
+        <p:txBody>
+          <a:bodyPr wrap="none" rtlCol="0">
+            <a:spAutoFit/>
+          </a:bodyPr>
+          <a:lstStyle/>
+          <a:p>
+            <a:r>
+              <a:rPr lang="en-US" dirty="0" err="1"/>
+              <a:t>App_general</a:t>
+            </a:r>
+            <a:r>
+              <a:rPr lang="en-US" dirty="0"/>
+              <a:t> is home  page use .html</a:t>
+            </a:r>
+          </a:p>
+          <a:p>
+            <a:r>
+              <a:rPr lang="en-US" dirty="0"/>
+              <a:t>App food is respond   need to home/food</a:t>
+            </a:r>
+          </a:p>
+        </p:txBody>
+      </p:sp>
+    </p:spTree>
+    <p:extLst>
+      <p:ext uri="{BB962C8B-B14F-4D97-AF65-F5344CB8AC3E}">
+        <p14:creationId xmlns:p14="http://schemas.microsoft.com/office/powerpoint/2010/main" val="233793857"/>
+      </p:ext>
+    </p:extLst>
+  </p:cSld>
+  <p:clrMapOvr>
+    <a:masterClrMapping/>
+  </p:clrMapOvr>
+</p:sld>
+</file>
+
+<file path=ppt/slides/slide7.xml><?xml version="1.0" encoding="utf-8"?>
+<p:sld xmlns:a="http://schemas.openxmlformats.org/drawingml/2006/main" xmlns:r="http://schemas.openxmlformats.org/officeDocument/2006/relationships" xmlns:p="http://schemas.openxmlformats.org/presentationml/2006/main">
+  <p:cSld>
+    <p:spTree>
+      <p:nvGrpSpPr>
+        <p:cNvPr id="1" name=""/>
+        <p:cNvGrpSpPr/>
+        <p:nvPr/>
+      </p:nvGrpSpPr>
+      <p:grpSpPr>
+        <a:xfrm>
+          <a:off x="0" y="0"/>
+          <a:ext cx="0" cy="0"/>
+          <a:chOff x="0" y="0"/>
+          <a:chExt cx="0" cy="0"/>
+        </a:xfrm>
+      </p:grpSpPr>
+      <p:sp>
+        <p:nvSpPr>
+          <p:cNvPr id="2" name="Title 1">
+            <a:extLst>
+              <a:ext uri="{FF2B5EF4-FFF2-40B4-BE49-F238E27FC236}">
+                <a16:creationId xmlns:a16="http://schemas.microsoft.com/office/drawing/2014/main" id="{7AF44AD1-3521-841E-89D0-D588769B47DD}"/>
+              </a:ext>
+            </a:extLst>
+          </p:cNvPr>
+          <p:cNvSpPr>
+            <a:spLocks noGrp="1"/>
+          </p:cNvSpPr>
+          <p:nvPr>
+            <p:ph type="title"/>
+          </p:nvPr>
+        </p:nvSpPr>
+        <p:spPr/>
+        <p:txBody>
+          <a:bodyPr/>
+          <a:lstStyle/>
+          <a:p>
+            <a:endParaRPr lang="en-US"/>
+          </a:p>
+        </p:txBody>
+      </p:sp>
+      <p:sp>
+        <p:nvSpPr>
+          <p:cNvPr id="3" name="Content Placeholder 2">
+            <a:extLst>
+              <a:ext uri="{FF2B5EF4-FFF2-40B4-BE49-F238E27FC236}">
+                <a16:creationId xmlns:a16="http://schemas.microsoft.com/office/drawing/2014/main" id="{5A30BB94-2A8F-FF0B-D24C-F1C472CCCBAC}"/>
+              </a:ext>
+            </a:extLst>
+          </p:cNvPr>
+          <p:cNvSpPr>
+            <a:spLocks noGrp="1"/>
+          </p:cNvSpPr>
+          <p:nvPr>
+            <p:ph idx="1"/>
+          </p:nvPr>
+        </p:nvSpPr>
+        <p:spPr/>
+        <p:txBody>
+          <a:bodyPr/>
+          <a:lstStyle/>
+          <a:p>
+            <a:endParaRPr lang="en-US"/>
+          </a:p>
+        </p:txBody>
+      </p:sp>
+    </p:spTree>
+    <p:extLst>
+      <p:ext uri="{BB962C8B-B14F-4D97-AF65-F5344CB8AC3E}">
+        <p14:creationId xmlns:p14="http://schemas.microsoft.com/office/powerpoint/2010/main" val="2395981231"/>
+      </p:ext>
+    </p:extLst>
+  </p:cSld>
+  <p:clrMapOvr>
+    <a:masterClrMapping/>
+  </p:clrMapOvr>
+</p:sld>
+</file>
+
 <file path=ppt/theme/theme1.xml><?xml version="1.0" encoding="utf-8"?>
 <a:theme xmlns:a="http://schemas.openxmlformats.org/drawingml/2006/main" name="Office Theme">
   <a:themeElements>

--- a/MEMO.pptx
+++ b/MEMO.pptx
@@ -121,7 +121,7 @@
 <file path=ppt/revisionInfo.xml><?xml version="1.0" encoding="utf-8"?>
 <p1510:revInfo xmlns:a="http://schemas.openxmlformats.org/drawingml/2006/main" xmlns:r="http://schemas.openxmlformats.org/officeDocument/2006/relationships" xmlns:p1510="http://schemas.microsoft.com/office/powerpoint/2015/10/main">
   <p1510:revLst>
-    <p1510:client id="{EAE1BEBB-6456-43DC-8AAC-5BDBBC8C24D9}" v="9" dt="2024-04-07T15:43:17.247"/>
+    <p1510:client id="{EAE1BEBB-6456-43DC-8AAC-5BDBBC8C24D9}" v="10" dt="2024-04-07T17:23:55.350"/>
   </p1510:revLst>
 </p1510:revInfo>
 </file>
@@ -131,7 +131,7 @@
   <pc:docChgLst>
     <pc:chgData name="witaya chaison" userId="aafc0013979b2c41" providerId="LiveId" clId="{EAE1BEBB-6456-43DC-8AAC-5BDBBC8C24D9}"/>
     <pc:docChg chg="custSel addSld modSld">
-      <pc:chgData name="witaya chaison" userId="aafc0013979b2c41" providerId="LiveId" clId="{EAE1BEBB-6456-43DC-8AAC-5BDBBC8C24D9}" dt="2024-04-07T15:44:35.032" v="269" actId="20577"/>
+      <pc:chgData name="witaya chaison" userId="aafc0013979b2c41" providerId="LiveId" clId="{EAE1BEBB-6456-43DC-8AAC-5BDBBC8C24D9}" dt="2024-04-07T17:24:03.089" v="288" actId="1076"/>
       <pc:docMkLst>
         <pc:docMk/>
       </pc:docMkLst>
@@ -355,7 +355,7 @@
         </pc:picChg>
       </pc:sldChg>
       <pc:sldChg chg="addSp delSp modSp new mod">
-        <pc:chgData name="witaya chaison" userId="aafc0013979b2c41" providerId="LiveId" clId="{EAE1BEBB-6456-43DC-8AAC-5BDBBC8C24D9}" dt="2024-04-07T15:44:35.032" v="269" actId="20577"/>
+        <pc:chgData name="witaya chaison" userId="aafc0013979b2c41" providerId="LiveId" clId="{EAE1BEBB-6456-43DC-8AAC-5BDBBC8C24D9}" dt="2024-04-07T17:24:03.089" v="288" actId="1076"/>
         <pc:sldMkLst>
           <pc:docMk/>
           <pc:sldMk cId="233793857" sldId="261"/>
@@ -377,13 +377,29 @@
           </ac:spMkLst>
         </pc:spChg>
         <pc:spChg chg="add mod">
-          <ac:chgData name="witaya chaison" userId="aafc0013979b2c41" providerId="LiveId" clId="{EAE1BEBB-6456-43DC-8AAC-5BDBBC8C24D9}" dt="2024-04-07T15:44:35.032" v="269" actId="20577"/>
+          <ac:chgData name="witaya chaison" userId="aafc0013979b2c41" providerId="LiveId" clId="{EAE1BEBB-6456-43DC-8AAC-5BDBBC8C24D9}" dt="2024-04-07T17:23:37.634" v="270" actId="1076"/>
           <ac:spMkLst>
             <pc:docMk/>
             <pc:sldMk cId="233793857" sldId="261"/>
             <ac:spMk id="4" creationId="{E2E8486A-53A6-70EA-5800-2E83D794347A}"/>
           </ac:spMkLst>
         </pc:spChg>
+        <pc:spChg chg="add mod">
+          <ac:chgData name="witaya chaison" userId="aafc0013979b2c41" providerId="LiveId" clId="{EAE1BEBB-6456-43DC-8AAC-5BDBBC8C24D9}" dt="2024-04-07T17:24:03.089" v="288" actId="1076"/>
+          <ac:spMkLst>
+            <pc:docMk/>
+            <pc:sldMk cId="233793857" sldId="261"/>
+            <ac:spMk id="5" creationId="{EB534DD6-3CCE-D7B5-CA64-9A051DAB735E}"/>
+          </ac:spMkLst>
+        </pc:spChg>
+        <pc:picChg chg="add mod">
+          <ac:chgData name="witaya chaison" userId="aafc0013979b2c41" providerId="LiveId" clId="{EAE1BEBB-6456-43DC-8AAC-5BDBBC8C24D9}" dt="2024-04-07T17:23:47.790" v="274" actId="1076"/>
+          <ac:picMkLst>
+            <pc:docMk/>
+            <pc:sldMk cId="233793857" sldId="261"/>
+            <ac:picMk id="3" creationId="{9789F585-298E-8E9A-E117-1BB378CC7C0A}"/>
+          </ac:picMkLst>
+        </pc:picChg>
       </pc:sldChg>
       <pc:sldChg chg="new">
         <pc:chgData name="witaya chaison" userId="aafc0013979b2c41" providerId="LiveId" clId="{EAE1BEBB-6456-43DC-8AAC-5BDBBC8C24D9}" dt="2024-04-07T15:43:05.677" v="154" actId="680"/>
@@ -544,7 +560,7 @@
           <a:p>
             <a:fld id="{B31C3C57-F649-4A66-B81B-B5A624DD67F4}" type="datetimeFigureOut">
               <a:rPr lang="en-US" smtClean="0"/>
-              <a:t>4/7/2024</a:t>
+              <a:t>4/8/2024</a:t>
             </a:fld>
             <a:endParaRPr lang="en-US"/>
           </a:p>
@@ -742,7 +758,7 @@
           <a:p>
             <a:fld id="{B31C3C57-F649-4A66-B81B-B5A624DD67F4}" type="datetimeFigureOut">
               <a:rPr lang="en-US" smtClean="0"/>
-              <a:t>4/7/2024</a:t>
+              <a:t>4/8/2024</a:t>
             </a:fld>
             <a:endParaRPr lang="en-US"/>
           </a:p>
@@ -950,7 +966,7 @@
           <a:p>
             <a:fld id="{B31C3C57-F649-4A66-B81B-B5A624DD67F4}" type="datetimeFigureOut">
               <a:rPr lang="en-US" smtClean="0"/>
-              <a:t>4/7/2024</a:t>
+              <a:t>4/8/2024</a:t>
             </a:fld>
             <a:endParaRPr lang="en-US"/>
           </a:p>
@@ -1148,7 +1164,7 @@
           <a:p>
             <a:fld id="{B31C3C57-F649-4A66-B81B-B5A624DD67F4}" type="datetimeFigureOut">
               <a:rPr lang="en-US" smtClean="0"/>
-              <a:t>4/7/2024</a:t>
+              <a:t>4/8/2024</a:t>
             </a:fld>
             <a:endParaRPr lang="en-US"/>
           </a:p>
@@ -1423,7 +1439,7 @@
           <a:p>
             <a:fld id="{B31C3C57-F649-4A66-B81B-B5A624DD67F4}" type="datetimeFigureOut">
               <a:rPr lang="en-US" smtClean="0"/>
-              <a:t>4/7/2024</a:t>
+              <a:t>4/8/2024</a:t>
             </a:fld>
             <a:endParaRPr lang="en-US"/>
           </a:p>
@@ -1688,7 +1704,7 @@
           <a:p>
             <a:fld id="{B31C3C57-F649-4A66-B81B-B5A624DD67F4}" type="datetimeFigureOut">
               <a:rPr lang="en-US" smtClean="0"/>
-              <a:t>4/7/2024</a:t>
+              <a:t>4/8/2024</a:t>
             </a:fld>
             <a:endParaRPr lang="en-US"/>
           </a:p>
@@ -2100,7 +2116,7 @@
           <a:p>
             <a:fld id="{B31C3C57-F649-4A66-B81B-B5A624DD67F4}" type="datetimeFigureOut">
               <a:rPr lang="en-US" smtClean="0"/>
-              <a:t>4/7/2024</a:t>
+              <a:t>4/8/2024</a:t>
             </a:fld>
             <a:endParaRPr lang="en-US"/>
           </a:p>
@@ -2241,7 +2257,7 @@
           <a:p>
             <a:fld id="{B31C3C57-F649-4A66-B81B-B5A624DD67F4}" type="datetimeFigureOut">
               <a:rPr lang="en-US" smtClean="0"/>
-              <a:t>4/7/2024</a:t>
+              <a:t>4/8/2024</a:t>
             </a:fld>
             <a:endParaRPr lang="en-US"/>
           </a:p>
@@ -2354,7 +2370,7 @@
           <a:p>
             <a:fld id="{B31C3C57-F649-4A66-B81B-B5A624DD67F4}" type="datetimeFigureOut">
               <a:rPr lang="en-US" smtClean="0"/>
-              <a:t>4/7/2024</a:t>
+              <a:t>4/8/2024</a:t>
             </a:fld>
             <a:endParaRPr lang="en-US"/>
           </a:p>
@@ -2665,7 +2681,7 @@
           <a:p>
             <a:fld id="{B31C3C57-F649-4A66-B81B-B5A624DD67F4}" type="datetimeFigureOut">
               <a:rPr lang="en-US" smtClean="0"/>
-              <a:t>4/7/2024</a:t>
+              <a:t>4/8/2024</a:t>
             </a:fld>
             <a:endParaRPr lang="en-US"/>
           </a:p>
@@ -2953,7 +2969,7 @@
           <a:p>
             <a:fld id="{B31C3C57-F649-4A66-B81B-B5A624DD67F4}" type="datetimeFigureOut">
               <a:rPr lang="en-US" smtClean="0"/>
-              <a:t>4/7/2024</a:t>
+              <a:t>4/8/2024</a:t>
             </a:fld>
             <a:endParaRPr lang="en-US"/>
           </a:p>
@@ -3194,7 +3210,7 @@
           <a:p>
             <a:fld id="{B31C3C57-F649-4A66-B81B-B5A624DD67F4}" type="datetimeFigureOut">
               <a:rPr lang="en-US" smtClean="0"/>
-              <a:t>4/7/2024</a:t>
+              <a:t>4/8/2024</a:t>
             </a:fld>
             <a:endParaRPr lang="en-US"/>
           </a:p>
@@ -4573,7 +4589,7 @@
         </p:nvSpPr>
         <p:spPr>
           <a:xfrm>
-            <a:off x="758952" y="877824"/>
+            <a:off x="685800" y="557784"/>
             <a:ext cx="4063356" cy="646331"/>
           </a:xfrm>
           <a:prstGeom prst="rect">
@@ -4600,6 +4616,71 @@
             <a:r>
               <a:rPr lang="en-US" dirty="0"/>
               <a:t>App food is respond   need to home/food</a:t>
+            </a:r>
+          </a:p>
+        </p:txBody>
+      </p:sp>
+      <p:pic>
+        <p:nvPicPr>
+          <p:cNvPr id="3" name="Picture 2">
+            <a:extLst>
+              <a:ext uri="{FF2B5EF4-FFF2-40B4-BE49-F238E27FC236}">
+                <a16:creationId xmlns:a16="http://schemas.microsoft.com/office/drawing/2014/main" id="{9789F585-298E-8E9A-E117-1BB378CC7C0A}"/>
+              </a:ext>
+            </a:extLst>
+          </p:cNvPr>
+          <p:cNvPicPr>
+            <a:picLocks noChangeAspect="1"/>
+          </p:cNvPicPr>
+          <p:nvPr/>
+        </p:nvPicPr>
+        <p:blipFill>
+          <a:blip r:embed="rId2"/>
+          <a:stretch>
+            <a:fillRect/>
+          </a:stretch>
+        </p:blipFill>
+        <p:spPr>
+          <a:xfrm>
+            <a:off x="1783080" y="1747144"/>
+            <a:ext cx="7183357" cy="4269608"/>
+          </a:xfrm>
+          <a:prstGeom prst="rect">
+            <a:avLst/>
+          </a:prstGeom>
+        </p:spPr>
+      </p:pic>
+      <p:sp>
+        <p:nvSpPr>
+          <p:cNvPr id="5" name="TextBox 4">
+            <a:extLst>
+              <a:ext uri="{FF2B5EF4-FFF2-40B4-BE49-F238E27FC236}">
+                <a16:creationId xmlns:a16="http://schemas.microsoft.com/office/drawing/2014/main" id="{EB534DD6-3CCE-D7B5-CA64-9A051DAB735E}"/>
+              </a:ext>
+            </a:extLst>
+          </p:cNvPr>
+          <p:cNvSpPr txBox="1"/>
+          <p:nvPr/>
+        </p:nvSpPr>
+        <p:spPr>
+          <a:xfrm>
+            <a:off x="6793992" y="2761488"/>
+            <a:ext cx="1540871" cy="369332"/>
+          </a:xfrm>
+          <a:prstGeom prst="rect">
+            <a:avLst/>
+          </a:prstGeom>
+          <a:noFill/>
+        </p:spPr>
+        <p:txBody>
+          <a:bodyPr wrap="none" rtlCol="0">
+            <a:spAutoFit/>
+          </a:bodyPr>
+          <a:lstStyle/>
+          <a:p>
+            <a:r>
+              <a:rPr lang="en-US" dirty="0"/>
+              <a:t>Home General</a:t>
             </a:r>
           </a:p>
         </p:txBody>

--- a/MEMO.pptx
+++ b/MEMO.pptx
@@ -131,7 +131,7 @@
   <pc:docChgLst>
     <pc:chgData name="witaya chaison" userId="aafc0013979b2c41" providerId="LiveId" clId="{EAE1BEBB-6456-43DC-8AAC-5BDBBC8C24D9}"/>
     <pc:docChg chg="custSel addSld modSld">
-      <pc:chgData name="witaya chaison" userId="aafc0013979b2c41" providerId="LiveId" clId="{EAE1BEBB-6456-43DC-8AAC-5BDBBC8C24D9}" dt="2024-04-07T17:24:03.089" v="288" actId="1076"/>
+      <pc:chgData name="witaya chaison" userId="aafc0013979b2c41" providerId="LiveId" clId="{EAE1BEBB-6456-43DC-8AAC-5BDBBC8C24D9}" dt="2024-04-08T12:37:48.591" v="292" actId="1076"/>
       <pc:docMkLst>
         <pc:docMk/>
       </pc:docMkLst>
@@ -401,12 +401,36 @@
           </ac:picMkLst>
         </pc:picChg>
       </pc:sldChg>
-      <pc:sldChg chg="new">
-        <pc:chgData name="witaya chaison" userId="aafc0013979b2c41" providerId="LiveId" clId="{EAE1BEBB-6456-43DC-8AAC-5BDBBC8C24D9}" dt="2024-04-07T15:43:05.677" v="154" actId="680"/>
+      <pc:sldChg chg="addSp delSp modSp new mod">
+        <pc:chgData name="witaya chaison" userId="aafc0013979b2c41" providerId="LiveId" clId="{EAE1BEBB-6456-43DC-8AAC-5BDBBC8C24D9}" dt="2024-04-08T12:37:48.591" v="292" actId="1076"/>
         <pc:sldMkLst>
           <pc:docMk/>
           <pc:sldMk cId="2395981231" sldId="262"/>
         </pc:sldMkLst>
+        <pc:spChg chg="del">
+          <ac:chgData name="witaya chaison" userId="aafc0013979b2c41" providerId="LiveId" clId="{EAE1BEBB-6456-43DC-8AAC-5BDBBC8C24D9}" dt="2024-04-08T12:37:43.517" v="290" actId="478"/>
+          <ac:spMkLst>
+            <pc:docMk/>
+            <pc:sldMk cId="2395981231" sldId="262"/>
+            <ac:spMk id="2" creationId="{7AF44AD1-3521-841E-89D0-D588769B47DD}"/>
+          </ac:spMkLst>
+        </pc:spChg>
+        <pc:spChg chg="del">
+          <ac:chgData name="witaya chaison" userId="aafc0013979b2c41" providerId="LiveId" clId="{EAE1BEBB-6456-43DC-8AAC-5BDBBC8C24D9}" dt="2024-04-08T12:37:42.364" v="289" actId="478"/>
+          <ac:spMkLst>
+            <pc:docMk/>
+            <pc:sldMk cId="2395981231" sldId="262"/>
+            <ac:spMk id="3" creationId="{5A30BB94-2A8F-FF0B-D24C-F1C472CCCBAC}"/>
+          </ac:spMkLst>
+        </pc:spChg>
+        <pc:picChg chg="add mod">
+          <ac:chgData name="witaya chaison" userId="aafc0013979b2c41" providerId="LiveId" clId="{EAE1BEBB-6456-43DC-8AAC-5BDBBC8C24D9}" dt="2024-04-08T12:37:48.591" v="292" actId="1076"/>
+          <ac:picMkLst>
+            <pc:docMk/>
+            <pc:sldMk cId="2395981231" sldId="262"/>
+            <ac:picMk id="5" creationId="{4BCC91F8-BD9A-FBFD-6F35-A4A0D5F291DB}"/>
+          </ac:picMkLst>
+        </pc:picChg>
       </pc:sldChg>
     </pc:docChg>
   </pc:docChgLst>
@@ -4715,56 +4739,36 @@
           <a:chExt cx="0" cy="0"/>
         </a:xfrm>
       </p:grpSpPr>
-      <p:sp>
-        <p:nvSpPr>
-          <p:cNvPr id="2" name="Title 1">
-            <a:extLst>
-              <a:ext uri="{FF2B5EF4-FFF2-40B4-BE49-F238E27FC236}">
-                <a16:creationId xmlns:a16="http://schemas.microsoft.com/office/drawing/2014/main" id="{7AF44AD1-3521-841E-89D0-D588769B47DD}"/>
-              </a:ext>
-            </a:extLst>
-          </p:cNvPr>
-          <p:cNvSpPr>
-            <a:spLocks noGrp="1"/>
-          </p:cNvSpPr>
-          <p:nvPr>
-            <p:ph type="title"/>
-          </p:nvPr>
-        </p:nvSpPr>
-        <p:spPr/>
-        <p:txBody>
-          <a:bodyPr/>
-          <a:lstStyle/>
-          <a:p>
-            <a:endParaRPr lang="en-US"/>
-          </a:p>
-        </p:txBody>
-      </p:sp>
-      <p:sp>
-        <p:nvSpPr>
-          <p:cNvPr id="3" name="Content Placeholder 2">
-            <a:extLst>
-              <a:ext uri="{FF2B5EF4-FFF2-40B4-BE49-F238E27FC236}">
-                <a16:creationId xmlns:a16="http://schemas.microsoft.com/office/drawing/2014/main" id="{5A30BB94-2A8F-FF0B-D24C-F1C472CCCBAC}"/>
-              </a:ext>
-            </a:extLst>
-          </p:cNvPr>
-          <p:cNvSpPr>
-            <a:spLocks noGrp="1"/>
-          </p:cNvSpPr>
-          <p:nvPr>
-            <p:ph idx="1"/>
-          </p:nvPr>
-        </p:nvSpPr>
-        <p:spPr/>
-        <p:txBody>
-          <a:bodyPr/>
-          <a:lstStyle/>
-          <a:p>
-            <a:endParaRPr lang="en-US"/>
-          </a:p>
-        </p:txBody>
-      </p:sp>
+      <p:pic>
+        <p:nvPicPr>
+          <p:cNvPr id="5" name="Picture 4">
+            <a:extLst>
+              <a:ext uri="{FF2B5EF4-FFF2-40B4-BE49-F238E27FC236}">
+                <a16:creationId xmlns:a16="http://schemas.microsoft.com/office/drawing/2014/main" id="{4BCC91F8-BD9A-FBFD-6F35-A4A0D5F291DB}"/>
+              </a:ext>
+            </a:extLst>
+          </p:cNvPr>
+          <p:cNvPicPr>
+            <a:picLocks noChangeAspect="1"/>
+          </p:cNvPicPr>
+          <p:nvPr/>
+        </p:nvPicPr>
+        <p:blipFill>
+          <a:blip r:embed="rId2"/>
+          <a:stretch>
+            <a:fillRect/>
+          </a:stretch>
+        </p:blipFill>
+        <p:spPr>
+          <a:xfrm>
+            <a:off x="508075" y="318430"/>
+            <a:ext cx="5287113" cy="3953427"/>
+          </a:xfrm>
+          <a:prstGeom prst="rect">
+            <a:avLst/>
+          </a:prstGeom>
+        </p:spPr>
+      </p:pic>
     </p:spTree>
     <p:extLst>
       <p:ext uri="{BB962C8B-B14F-4D97-AF65-F5344CB8AC3E}">

--- a/MEMO.pptx
+++ b/MEMO.pptx
@@ -12,6 +12,8 @@
     <p:sldId id="260" r:id="rId6"/>
     <p:sldId id="261" r:id="rId7"/>
     <p:sldId id="262" r:id="rId8"/>
+    <p:sldId id="263" r:id="rId9"/>
+    <p:sldId id="264" r:id="rId10"/>
   </p:sldIdLst>
   <p:sldSz cx="12192000" cy="6858000"/>
   <p:notesSz cx="6858000" cy="9144000"/>
@@ -131,7 +133,7 @@
   <pc:docChgLst>
     <pc:chgData name="witaya chaison" userId="aafc0013979b2c41" providerId="LiveId" clId="{EAE1BEBB-6456-43DC-8AAC-5BDBBC8C24D9}"/>
     <pc:docChg chg="custSel addSld modSld">
-      <pc:chgData name="witaya chaison" userId="aafc0013979b2c41" providerId="LiveId" clId="{EAE1BEBB-6456-43DC-8AAC-5BDBBC8C24D9}" dt="2024-04-08T12:37:48.591" v="292" actId="1076"/>
+      <pc:chgData name="witaya chaison" userId="aafc0013979b2c41" providerId="LiveId" clId="{EAE1BEBB-6456-43DC-8AAC-5BDBBC8C24D9}" dt="2024-04-10T00:01:32.072" v="299" actId="1076"/>
       <pc:docMkLst>
         <pc:docMk/>
       </pc:docMkLst>
@@ -432,6 +434,44 @@
           </ac:picMkLst>
         </pc:picChg>
       </pc:sldChg>
+      <pc:sldChg chg="addSp delSp modSp new mod">
+        <pc:chgData name="witaya chaison" userId="aafc0013979b2c41" providerId="LiveId" clId="{EAE1BEBB-6456-43DC-8AAC-5BDBBC8C24D9}" dt="2024-04-10T00:01:32.072" v="299" actId="1076"/>
+        <pc:sldMkLst>
+          <pc:docMk/>
+          <pc:sldMk cId="2158938808" sldId="263"/>
+        </pc:sldMkLst>
+        <pc:spChg chg="del">
+          <ac:chgData name="witaya chaison" userId="aafc0013979b2c41" providerId="LiveId" clId="{EAE1BEBB-6456-43DC-8AAC-5BDBBC8C24D9}" dt="2024-04-10T00:01:26.179" v="296" actId="478"/>
+          <ac:spMkLst>
+            <pc:docMk/>
+            <pc:sldMk cId="2158938808" sldId="263"/>
+            <ac:spMk id="2" creationId="{4679817F-56BA-57BA-5335-024F59E90EDB}"/>
+          </ac:spMkLst>
+        </pc:spChg>
+        <pc:spChg chg="del">
+          <ac:chgData name="witaya chaison" userId="aafc0013979b2c41" providerId="LiveId" clId="{EAE1BEBB-6456-43DC-8AAC-5BDBBC8C24D9}" dt="2024-04-10T00:01:25.296" v="295" actId="478"/>
+          <ac:spMkLst>
+            <pc:docMk/>
+            <pc:sldMk cId="2158938808" sldId="263"/>
+            <ac:spMk id="3" creationId="{4EEC63EC-8008-A590-D999-047E0F920E19}"/>
+          </ac:spMkLst>
+        </pc:spChg>
+        <pc:picChg chg="add mod">
+          <ac:chgData name="witaya chaison" userId="aafc0013979b2c41" providerId="LiveId" clId="{EAE1BEBB-6456-43DC-8AAC-5BDBBC8C24D9}" dt="2024-04-10T00:01:32.072" v="299" actId="1076"/>
+          <ac:picMkLst>
+            <pc:docMk/>
+            <pc:sldMk cId="2158938808" sldId="263"/>
+            <ac:picMk id="5" creationId="{2C674E97-640D-4C7C-5F88-6A83B5D88ECA}"/>
+          </ac:picMkLst>
+        </pc:picChg>
+      </pc:sldChg>
+      <pc:sldChg chg="new">
+        <pc:chgData name="witaya chaison" userId="aafc0013979b2c41" providerId="LiveId" clId="{EAE1BEBB-6456-43DC-8AAC-5BDBBC8C24D9}" dt="2024-04-10T00:01:21.755" v="294" actId="680"/>
+        <pc:sldMkLst>
+          <pc:docMk/>
+          <pc:sldMk cId="1303591528" sldId="264"/>
+        </pc:sldMkLst>
+      </pc:sldChg>
     </pc:docChg>
   </pc:docChgLst>
 </pc:chgInfo>
@@ -584,7 +624,7 @@
           <a:p>
             <a:fld id="{B31C3C57-F649-4A66-B81B-B5A624DD67F4}" type="datetimeFigureOut">
               <a:rPr lang="en-US" smtClean="0"/>
-              <a:t>4/8/2024</a:t>
+              <a:t>4/10/2024</a:t>
             </a:fld>
             <a:endParaRPr lang="en-US"/>
           </a:p>
@@ -782,7 +822,7 @@
           <a:p>
             <a:fld id="{B31C3C57-F649-4A66-B81B-B5A624DD67F4}" type="datetimeFigureOut">
               <a:rPr lang="en-US" smtClean="0"/>
-              <a:t>4/8/2024</a:t>
+              <a:t>4/10/2024</a:t>
             </a:fld>
             <a:endParaRPr lang="en-US"/>
           </a:p>
@@ -990,7 +1030,7 @@
           <a:p>
             <a:fld id="{B31C3C57-F649-4A66-B81B-B5A624DD67F4}" type="datetimeFigureOut">
               <a:rPr lang="en-US" smtClean="0"/>
-              <a:t>4/8/2024</a:t>
+              <a:t>4/10/2024</a:t>
             </a:fld>
             <a:endParaRPr lang="en-US"/>
           </a:p>
@@ -1188,7 +1228,7 @@
           <a:p>
             <a:fld id="{B31C3C57-F649-4A66-B81B-B5A624DD67F4}" type="datetimeFigureOut">
               <a:rPr lang="en-US" smtClean="0"/>
-              <a:t>4/8/2024</a:t>
+              <a:t>4/10/2024</a:t>
             </a:fld>
             <a:endParaRPr lang="en-US"/>
           </a:p>
@@ -1463,7 +1503,7 @@
           <a:p>
             <a:fld id="{B31C3C57-F649-4A66-B81B-B5A624DD67F4}" type="datetimeFigureOut">
               <a:rPr lang="en-US" smtClean="0"/>
-              <a:t>4/8/2024</a:t>
+              <a:t>4/10/2024</a:t>
             </a:fld>
             <a:endParaRPr lang="en-US"/>
           </a:p>
@@ -1728,7 +1768,7 @@
           <a:p>
             <a:fld id="{B31C3C57-F649-4A66-B81B-B5A624DD67F4}" type="datetimeFigureOut">
               <a:rPr lang="en-US" smtClean="0"/>
-              <a:t>4/8/2024</a:t>
+              <a:t>4/10/2024</a:t>
             </a:fld>
             <a:endParaRPr lang="en-US"/>
           </a:p>
@@ -2140,7 +2180,7 @@
           <a:p>
             <a:fld id="{B31C3C57-F649-4A66-B81B-B5A624DD67F4}" type="datetimeFigureOut">
               <a:rPr lang="en-US" smtClean="0"/>
-              <a:t>4/8/2024</a:t>
+              <a:t>4/10/2024</a:t>
             </a:fld>
             <a:endParaRPr lang="en-US"/>
           </a:p>
@@ -2281,7 +2321,7 @@
           <a:p>
             <a:fld id="{B31C3C57-F649-4A66-B81B-B5A624DD67F4}" type="datetimeFigureOut">
               <a:rPr lang="en-US" smtClean="0"/>
-              <a:t>4/8/2024</a:t>
+              <a:t>4/10/2024</a:t>
             </a:fld>
             <a:endParaRPr lang="en-US"/>
           </a:p>
@@ -2394,7 +2434,7 @@
           <a:p>
             <a:fld id="{B31C3C57-F649-4A66-B81B-B5A624DD67F4}" type="datetimeFigureOut">
               <a:rPr lang="en-US" smtClean="0"/>
-              <a:t>4/8/2024</a:t>
+              <a:t>4/10/2024</a:t>
             </a:fld>
             <a:endParaRPr lang="en-US"/>
           </a:p>
@@ -2705,7 +2745,7 @@
           <a:p>
             <a:fld id="{B31C3C57-F649-4A66-B81B-B5A624DD67F4}" type="datetimeFigureOut">
               <a:rPr lang="en-US" smtClean="0"/>
-              <a:t>4/8/2024</a:t>
+              <a:t>4/10/2024</a:t>
             </a:fld>
             <a:endParaRPr lang="en-US"/>
           </a:p>
@@ -2993,7 +3033,7 @@
           <a:p>
             <a:fld id="{B31C3C57-F649-4A66-B81B-B5A624DD67F4}" type="datetimeFigureOut">
               <a:rPr lang="en-US" smtClean="0"/>
-              <a:t>4/8/2024</a:t>
+              <a:t>4/10/2024</a:t>
             </a:fld>
             <a:endParaRPr lang="en-US"/>
           </a:p>
@@ -3234,7 +3274,7 @@
           <a:p>
             <a:fld id="{B31C3C57-F649-4A66-B81B-B5A624DD67F4}" type="datetimeFigureOut">
               <a:rPr lang="en-US" smtClean="0"/>
-              <a:t>4/8/2024</a:t>
+              <a:t>4/10/2024</a:t>
             </a:fld>
             <a:endParaRPr lang="en-US"/>
           </a:p>
@@ -4782,6 +4822,146 @@
 </p:sld>
 </file>
 
+<file path=ppt/slides/slide8.xml><?xml version="1.0" encoding="utf-8"?>
+<p:sld xmlns:a="http://schemas.openxmlformats.org/drawingml/2006/main" xmlns:r="http://schemas.openxmlformats.org/officeDocument/2006/relationships" xmlns:p="http://schemas.openxmlformats.org/presentationml/2006/main">
+  <p:cSld>
+    <p:spTree>
+      <p:nvGrpSpPr>
+        <p:cNvPr id="1" name=""/>
+        <p:cNvGrpSpPr/>
+        <p:nvPr/>
+      </p:nvGrpSpPr>
+      <p:grpSpPr>
+        <a:xfrm>
+          <a:off x="0" y="0"/>
+          <a:ext cx="0" cy="0"/>
+          <a:chOff x="0" y="0"/>
+          <a:chExt cx="0" cy="0"/>
+        </a:xfrm>
+      </p:grpSpPr>
+      <p:pic>
+        <p:nvPicPr>
+          <p:cNvPr id="5" name="Picture 4">
+            <a:extLst>
+              <a:ext uri="{FF2B5EF4-FFF2-40B4-BE49-F238E27FC236}">
+                <a16:creationId xmlns:a16="http://schemas.microsoft.com/office/drawing/2014/main" id="{2C674E97-640D-4C7C-5F88-6A83B5D88ECA}"/>
+              </a:ext>
+            </a:extLst>
+          </p:cNvPr>
+          <p:cNvPicPr>
+            <a:picLocks noChangeAspect="1"/>
+          </p:cNvPicPr>
+          <p:nvPr/>
+        </p:nvPicPr>
+        <p:blipFill>
+          <a:blip r:embed="rId2"/>
+          <a:stretch>
+            <a:fillRect/>
+          </a:stretch>
+        </p:blipFill>
+        <p:spPr>
+          <a:xfrm>
+            <a:off x="1399031" y="347888"/>
+            <a:ext cx="9132801" cy="5367112"/>
+          </a:xfrm>
+          <a:prstGeom prst="rect">
+            <a:avLst/>
+          </a:prstGeom>
+        </p:spPr>
+      </p:pic>
+    </p:spTree>
+    <p:extLst>
+      <p:ext uri="{BB962C8B-B14F-4D97-AF65-F5344CB8AC3E}">
+        <p14:creationId xmlns:p14="http://schemas.microsoft.com/office/powerpoint/2010/main" val="2158938808"/>
+      </p:ext>
+    </p:extLst>
+  </p:cSld>
+  <p:clrMapOvr>
+    <a:masterClrMapping/>
+  </p:clrMapOvr>
+</p:sld>
+</file>
+
+<file path=ppt/slides/slide9.xml><?xml version="1.0" encoding="utf-8"?>
+<p:sld xmlns:a="http://schemas.openxmlformats.org/drawingml/2006/main" xmlns:r="http://schemas.openxmlformats.org/officeDocument/2006/relationships" xmlns:p="http://schemas.openxmlformats.org/presentationml/2006/main">
+  <p:cSld>
+    <p:spTree>
+      <p:nvGrpSpPr>
+        <p:cNvPr id="1" name=""/>
+        <p:cNvGrpSpPr/>
+        <p:nvPr/>
+      </p:nvGrpSpPr>
+      <p:grpSpPr>
+        <a:xfrm>
+          <a:off x="0" y="0"/>
+          <a:ext cx="0" cy="0"/>
+          <a:chOff x="0" y="0"/>
+          <a:chExt cx="0" cy="0"/>
+        </a:xfrm>
+      </p:grpSpPr>
+      <p:sp>
+        <p:nvSpPr>
+          <p:cNvPr id="2" name="Title 1">
+            <a:extLst>
+              <a:ext uri="{FF2B5EF4-FFF2-40B4-BE49-F238E27FC236}">
+                <a16:creationId xmlns:a16="http://schemas.microsoft.com/office/drawing/2014/main" id="{CDC28B9E-7C7A-EE8C-953C-54CAA945AE76}"/>
+              </a:ext>
+            </a:extLst>
+          </p:cNvPr>
+          <p:cNvSpPr>
+            <a:spLocks noGrp="1"/>
+          </p:cNvSpPr>
+          <p:nvPr>
+            <p:ph type="title"/>
+          </p:nvPr>
+        </p:nvSpPr>
+        <p:spPr/>
+        <p:txBody>
+          <a:bodyPr/>
+          <a:lstStyle/>
+          <a:p>
+            <a:endParaRPr lang="en-US"/>
+          </a:p>
+        </p:txBody>
+      </p:sp>
+      <p:sp>
+        <p:nvSpPr>
+          <p:cNvPr id="3" name="Content Placeholder 2">
+            <a:extLst>
+              <a:ext uri="{FF2B5EF4-FFF2-40B4-BE49-F238E27FC236}">
+                <a16:creationId xmlns:a16="http://schemas.microsoft.com/office/drawing/2014/main" id="{161B690F-FC24-9EF1-9585-630B3DCBDE0E}"/>
+              </a:ext>
+            </a:extLst>
+          </p:cNvPr>
+          <p:cNvSpPr>
+            <a:spLocks noGrp="1"/>
+          </p:cNvSpPr>
+          <p:nvPr>
+            <p:ph idx="1"/>
+          </p:nvPr>
+        </p:nvSpPr>
+        <p:spPr/>
+        <p:txBody>
+          <a:bodyPr/>
+          <a:lstStyle/>
+          <a:p>
+            <a:endParaRPr lang="en-US"/>
+          </a:p>
+        </p:txBody>
+      </p:sp>
+    </p:spTree>
+    <p:extLst>
+      <p:ext uri="{BB962C8B-B14F-4D97-AF65-F5344CB8AC3E}">
+        <p14:creationId xmlns:p14="http://schemas.microsoft.com/office/powerpoint/2010/main" val="1303591528"/>
+      </p:ext>
+    </p:extLst>
+  </p:cSld>
+  <p:clrMapOvr>
+    <a:masterClrMapping/>
+  </p:clrMapOvr>
+</p:sld>
+</file>
+
 <file path=ppt/theme/theme1.xml><?xml version="1.0" encoding="utf-8"?>
 <a:theme xmlns:a="http://schemas.openxmlformats.org/drawingml/2006/main" name="Office Theme">
   <a:themeElements>

--- a/MEMO.pptx
+++ b/MEMO.pptx
@@ -7,13 +7,14 @@
   <p:sldIdLst>
     <p:sldId id="256" r:id="rId2"/>
     <p:sldId id="257" r:id="rId3"/>
-    <p:sldId id="258" r:id="rId4"/>
-    <p:sldId id="259" r:id="rId5"/>
-    <p:sldId id="260" r:id="rId6"/>
-    <p:sldId id="261" r:id="rId7"/>
-    <p:sldId id="262" r:id="rId8"/>
-    <p:sldId id="263" r:id="rId9"/>
-    <p:sldId id="264" r:id="rId10"/>
+    <p:sldId id="265" r:id="rId4"/>
+    <p:sldId id="258" r:id="rId5"/>
+    <p:sldId id="259" r:id="rId6"/>
+    <p:sldId id="260" r:id="rId7"/>
+    <p:sldId id="261" r:id="rId8"/>
+    <p:sldId id="262" r:id="rId9"/>
+    <p:sldId id="263" r:id="rId10"/>
+    <p:sldId id="264" r:id="rId11"/>
   </p:sldIdLst>
   <p:sldSz cx="12192000" cy="6858000"/>
   <p:notesSz cx="6858000" cy="9144000"/>
@@ -123,13 +124,107 @@
 <file path=ppt/revisionInfo.xml><?xml version="1.0" encoding="utf-8"?>
 <p1510:revInfo xmlns:a="http://schemas.openxmlformats.org/drawingml/2006/main" xmlns:r="http://schemas.openxmlformats.org/officeDocument/2006/relationships" xmlns:p1510="http://schemas.microsoft.com/office/powerpoint/2015/10/main">
   <p1510:revLst>
-    <p1510:client id="{EAE1BEBB-6456-43DC-8AAC-5BDBBC8C24D9}" v="10" dt="2024-04-07T17:23:55.350"/>
+    <p1510:client id="{371544E5-2007-4D19-A210-55557299624F}" v="1" dt="2024-05-20T21:25:19.407"/>
   </p1510:revLst>
 </p1510:revInfo>
 </file>
 
 <file path=ppt/changesInfos/changesInfo1.xml><?xml version="1.0" encoding="utf-8"?>
 <pc:chgInfo xmlns:a="http://schemas.openxmlformats.org/drawingml/2006/main" xmlns:r="http://schemas.openxmlformats.org/officeDocument/2006/relationships" xmlns:ac="http://schemas.microsoft.com/office/drawing/2013/main/command" xmlns:pc="http://schemas.microsoft.com/office/powerpoint/2013/main/command">
+  <pc:docChgLst>
+    <pc:chgData name="witaya chaison" userId="aafc0013979b2c41" providerId="LiveId" clId="{371544E5-2007-4D19-A210-55557299624F}"/>
+    <pc:docChg chg="custSel addSld modSld">
+      <pc:chgData name="witaya chaison" userId="aafc0013979b2c41" providerId="LiveId" clId="{371544E5-2007-4D19-A210-55557299624F}" dt="2024-05-20T21:32:33.202" v="114" actId="14100"/>
+      <pc:docMkLst>
+        <pc:docMk/>
+      </pc:docMkLst>
+      <pc:sldChg chg="addSp modSp mod">
+        <pc:chgData name="witaya chaison" userId="aafc0013979b2c41" providerId="LiveId" clId="{371544E5-2007-4D19-A210-55557299624F}" dt="2024-05-20T21:29:36.667" v="108" actId="313"/>
+        <pc:sldMkLst>
+          <pc:docMk/>
+          <pc:sldMk cId="335131592" sldId="256"/>
+        </pc:sldMkLst>
+        <pc:spChg chg="add mod">
+          <ac:chgData name="witaya chaison" userId="aafc0013979b2c41" providerId="LiveId" clId="{371544E5-2007-4D19-A210-55557299624F}" dt="2024-05-20T21:29:36.667" v="108" actId="313"/>
+          <ac:spMkLst>
+            <pc:docMk/>
+            <pc:sldMk cId="335131592" sldId="256"/>
+            <ac:spMk id="2" creationId="{68638273-7702-A133-842C-91DC862B2798}"/>
+          </ac:spMkLst>
+        </pc:spChg>
+        <pc:picChg chg="mod">
+          <ac:chgData name="witaya chaison" userId="aafc0013979b2c41" providerId="LiveId" clId="{371544E5-2007-4D19-A210-55557299624F}" dt="2024-05-20T21:29:31.512" v="106" actId="1076"/>
+          <ac:picMkLst>
+            <pc:docMk/>
+            <pc:sldMk cId="335131592" sldId="256"/>
+            <ac:picMk id="5" creationId="{1F7C3B3A-D39A-2C9B-529B-2E2532FA2ECA}"/>
+          </ac:picMkLst>
+        </pc:picChg>
+      </pc:sldChg>
+      <pc:sldChg chg="addSp modSp mod">
+        <pc:chgData name="witaya chaison" userId="aafc0013979b2c41" providerId="LiveId" clId="{371544E5-2007-4D19-A210-55557299624F}" dt="2024-05-20T21:19:11.924" v="16" actId="11529"/>
+        <pc:sldMkLst>
+          <pc:docMk/>
+          <pc:sldMk cId="2205140602" sldId="257"/>
+        </pc:sldMkLst>
+        <pc:spChg chg="mod">
+          <ac:chgData name="witaya chaison" userId="aafc0013979b2c41" providerId="LiveId" clId="{371544E5-2007-4D19-A210-55557299624F}" dt="2024-05-20T21:18:59.728" v="14" actId="20577"/>
+          <ac:spMkLst>
+            <pc:docMk/>
+            <pc:sldMk cId="2205140602" sldId="257"/>
+            <ac:spMk id="6" creationId="{CFCC17F7-4039-7ED0-4E11-E80EEABD6591}"/>
+          </ac:spMkLst>
+        </pc:spChg>
+        <pc:spChg chg="mod">
+          <ac:chgData name="witaya chaison" userId="aafc0013979b2c41" providerId="LiveId" clId="{371544E5-2007-4D19-A210-55557299624F}" dt="2024-05-20T21:19:06.101" v="15" actId="1076"/>
+          <ac:spMkLst>
+            <pc:docMk/>
+            <pc:sldMk cId="2205140602" sldId="257"/>
+            <ac:spMk id="9" creationId="{697A2040-359D-67DE-05D8-DAEE1075E958}"/>
+          </ac:spMkLst>
+        </pc:spChg>
+        <pc:cxnChg chg="add">
+          <ac:chgData name="witaya chaison" userId="aafc0013979b2c41" providerId="LiveId" clId="{371544E5-2007-4D19-A210-55557299624F}" dt="2024-05-20T21:19:11.924" v="16" actId="11529"/>
+          <ac:cxnSpMkLst>
+            <pc:docMk/>
+            <pc:sldMk cId="2205140602" sldId="257"/>
+            <ac:cxnSpMk id="4" creationId="{D87FE1A1-3A54-154E-25FA-2AE8DC085BE0}"/>
+          </ac:cxnSpMkLst>
+        </pc:cxnChg>
+      </pc:sldChg>
+      <pc:sldChg chg="addSp delSp modSp new mod">
+        <pc:chgData name="witaya chaison" userId="aafc0013979b2c41" providerId="LiveId" clId="{371544E5-2007-4D19-A210-55557299624F}" dt="2024-05-20T21:32:33.202" v="114" actId="14100"/>
+        <pc:sldMkLst>
+          <pc:docMk/>
+          <pc:sldMk cId="1944199189" sldId="265"/>
+        </pc:sldMkLst>
+        <pc:spChg chg="del">
+          <ac:chgData name="witaya chaison" userId="aafc0013979b2c41" providerId="LiveId" clId="{371544E5-2007-4D19-A210-55557299624F}" dt="2024-05-20T21:32:27.557" v="110" actId="478"/>
+          <ac:spMkLst>
+            <pc:docMk/>
+            <pc:sldMk cId="1944199189" sldId="265"/>
+            <ac:spMk id="2" creationId="{31381E1C-6819-A177-E6FE-2E291E4679DF}"/>
+          </ac:spMkLst>
+        </pc:spChg>
+        <pc:spChg chg="del">
+          <ac:chgData name="witaya chaison" userId="aafc0013979b2c41" providerId="LiveId" clId="{371544E5-2007-4D19-A210-55557299624F}" dt="2024-05-20T21:32:28.608" v="111" actId="478"/>
+          <ac:spMkLst>
+            <pc:docMk/>
+            <pc:sldMk cId="1944199189" sldId="265"/>
+            <ac:spMk id="3" creationId="{CF3A82BF-1C20-D916-E602-7876272C8F73}"/>
+          </ac:spMkLst>
+        </pc:spChg>
+        <pc:picChg chg="add mod">
+          <ac:chgData name="witaya chaison" userId="aafc0013979b2c41" providerId="LiveId" clId="{371544E5-2007-4D19-A210-55557299624F}" dt="2024-05-20T21:32:33.202" v="114" actId="14100"/>
+          <ac:picMkLst>
+            <pc:docMk/>
+            <pc:sldMk cId="1944199189" sldId="265"/>
+            <ac:picMk id="5" creationId="{CBE807C9-2486-9009-9CD1-0E9B27AD7B79}"/>
+          </ac:picMkLst>
+        </pc:picChg>
+      </pc:sldChg>
+    </pc:docChg>
+  </pc:docChgLst>
   <pc:docChgLst>
     <pc:chgData name="witaya chaison" userId="aafc0013979b2c41" providerId="LiveId" clId="{EAE1BEBB-6456-43DC-8AAC-5BDBBC8C24D9}"/>
     <pc:docChg chg="custSel addSld modSld">
@@ -624,7 +719,7 @@
           <a:p>
             <a:fld id="{B31C3C57-F649-4A66-B81B-B5A624DD67F4}" type="datetimeFigureOut">
               <a:rPr lang="en-US" smtClean="0"/>
-              <a:t>4/10/2024</a:t>
+              <a:t>5/21/2024</a:t>
             </a:fld>
             <a:endParaRPr lang="en-US"/>
           </a:p>
@@ -822,7 +917,7 @@
           <a:p>
             <a:fld id="{B31C3C57-F649-4A66-B81B-B5A624DD67F4}" type="datetimeFigureOut">
               <a:rPr lang="en-US" smtClean="0"/>
-              <a:t>4/10/2024</a:t>
+              <a:t>5/21/2024</a:t>
             </a:fld>
             <a:endParaRPr lang="en-US"/>
           </a:p>
@@ -1030,7 +1125,7 @@
           <a:p>
             <a:fld id="{B31C3C57-F649-4A66-B81B-B5A624DD67F4}" type="datetimeFigureOut">
               <a:rPr lang="en-US" smtClean="0"/>
-              <a:t>4/10/2024</a:t>
+              <a:t>5/21/2024</a:t>
             </a:fld>
             <a:endParaRPr lang="en-US"/>
           </a:p>
@@ -1228,7 +1323,7 @@
           <a:p>
             <a:fld id="{B31C3C57-F649-4A66-B81B-B5A624DD67F4}" type="datetimeFigureOut">
               <a:rPr lang="en-US" smtClean="0"/>
-              <a:t>4/10/2024</a:t>
+              <a:t>5/21/2024</a:t>
             </a:fld>
             <a:endParaRPr lang="en-US"/>
           </a:p>
@@ -1503,7 +1598,7 @@
           <a:p>
             <a:fld id="{B31C3C57-F649-4A66-B81B-B5A624DD67F4}" type="datetimeFigureOut">
               <a:rPr lang="en-US" smtClean="0"/>
-              <a:t>4/10/2024</a:t>
+              <a:t>5/21/2024</a:t>
             </a:fld>
             <a:endParaRPr lang="en-US"/>
           </a:p>
@@ -1768,7 +1863,7 @@
           <a:p>
             <a:fld id="{B31C3C57-F649-4A66-B81B-B5A624DD67F4}" type="datetimeFigureOut">
               <a:rPr lang="en-US" smtClean="0"/>
-              <a:t>4/10/2024</a:t>
+              <a:t>5/21/2024</a:t>
             </a:fld>
             <a:endParaRPr lang="en-US"/>
           </a:p>
@@ -2180,7 +2275,7 @@
           <a:p>
             <a:fld id="{B31C3C57-F649-4A66-B81B-B5A624DD67F4}" type="datetimeFigureOut">
               <a:rPr lang="en-US" smtClean="0"/>
-              <a:t>4/10/2024</a:t>
+              <a:t>5/21/2024</a:t>
             </a:fld>
             <a:endParaRPr lang="en-US"/>
           </a:p>
@@ -2321,7 +2416,7 @@
           <a:p>
             <a:fld id="{B31C3C57-F649-4A66-B81B-B5A624DD67F4}" type="datetimeFigureOut">
               <a:rPr lang="en-US" smtClean="0"/>
-              <a:t>4/10/2024</a:t>
+              <a:t>5/21/2024</a:t>
             </a:fld>
             <a:endParaRPr lang="en-US"/>
           </a:p>
@@ -2434,7 +2529,7 @@
           <a:p>
             <a:fld id="{B31C3C57-F649-4A66-B81B-B5A624DD67F4}" type="datetimeFigureOut">
               <a:rPr lang="en-US" smtClean="0"/>
-              <a:t>4/10/2024</a:t>
+              <a:t>5/21/2024</a:t>
             </a:fld>
             <a:endParaRPr lang="en-US"/>
           </a:p>
@@ -2745,7 +2840,7 @@
           <a:p>
             <a:fld id="{B31C3C57-F649-4A66-B81B-B5A624DD67F4}" type="datetimeFigureOut">
               <a:rPr lang="en-US" smtClean="0"/>
-              <a:t>4/10/2024</a:t>
+              <a:t>5/21/2024</a:t>
             </a:fld>
             <a:endParaRPr lang="en-US"/>
           </a:p>
@@ -3033,7 +3128,7 @@
           <a:p>
             <a:fld id="{B31C3C57-F649-4A66-B81B-B5A624DD67F4}" type="datetimeFigureOut">
               <a:rPr lang="en-US" smtClean="0"/>
-              <a:t>4/10/2024</a:t>
+              <a:t>5/21/2024</a:t>
             </a:fld>
             <a:endParaRPr lang="en-US"/>
           </a:p>
@@ -3274,7 +3369,7 @@
           <a:p>
             <a:fld id="{B31C3C57-F649-4A66-B81B-B5A624DD67F4}" type="datetimeFigureOut">
               <a:rPr lang="en-US" smtClean="0"/>
-              <a:t>4/10/2024</a:t>
+              <a:t>5/21/2024</a:t>
             </a:fld>
             <a:endParaRPr lang="en-US"/>
           </a:p>
@@ -3713,18 +3808,159 @@
         </p:blipFill>
         <p:spPr>
           <a:xfrm>
-            <a:off x="1563624" y="692162"/>
-            <a:ext cx="8102042" cy="4858245"/>
+            <a:off x="1473127" y="70370"/>
+            <a:ext cx="9245745" cy="4748518"/>
           </a:xfrm>
           <a:prstGeom prst="rect">
             <a:avLst/>
           </a:prstGeom>
         </p:spPr>
       </p:pic>
+      <p:sp>
+        <p:nvSpPr>
+          <p:cNvPr id="2" name="TextBox 1">
+            <a:extLst>
+              <a:ext uri="{FF2B5EF4-FFF2-40B4-BE49-F238E27FC236}">
+                <a16:creationId xmlns:a16="http://schemas.microsoft.com/office/drawing/2014/main" id="{68638273-7702-A133-842C-91DC862B2798}"/>
+              </a:ext>
+            </a:extLst>
+          </p:cNvPr>
+          <p:cNvSpPr txBox="1"/>
+          <p:nvPr/>
+        </p:nvSpPr>
+        <p:spPr>
+          <a:xfrm>
+            <a:off x="1636776" y="5038344"/>
+            <a:ext cx="8569525" cy="1477328"/>
+          </a:xfrm>
+          <a:prstGeom prst="rect">
+            <a:avLst/>
+          </a:prstGeom>
+          <a:noFill/>
+        </p:spPr>
+        <p:txBody>
+          <a:bodyPr wrap="none" rtlCol="0">
+            <a:spAutoFit/>
+          </a:bodyPr>
+          <a:lstStyle/>
+          <a:p>
+            <a:r>
+              <a:rPr lang="en-US" dirty="0"/>
+              <a:t>Python –m virtual env venv2</a:t>
+            </a:r>
+          </a:p>
+          <a:p>
+            <a:r>
+              <a:rPr lang="en-US" dirty="0"/>
+              <a:t>C:\Users\Lenovo\OneDrive\GitHub 2024\Django Ice </a:t>
+            </a:r>
+            <a:r>
+              <a:rPr lang="en-US" dirty="0" err="1"/>
+              <a:t>Ceam</a:t>
+            </a:r>
+            <a:r>
+              <a:rPr lang="en-US" dirty="0"/>
+              <a:t> shop&gt;.\venv2\scripts\activate</a:t>
+            </a:r>
+          </a:p>
+          <a:p>
+            <a:r>
+              <a:rPr lang="en-US" dirty="0"/>
+              <a:t>Pip install Django ( install Django)</a:t>
+            </a:r>
+          </a:p>
+          <a:p>
+            <a:endParaRPr lang="en-US" dirty="0"/>
+          </a:p>
+          <a:p>
+            <a:endParaRPr lang="en-US" dirty="0"/>
+          </a:p>
+        </p:txBody>
+      </p:sp>
     </p:spTree>
     <p:extLst>
       <p:ext uri="{BB962C8B-B14F-4D97-AF65-F5344CB8AC3E}">
         <p14:creationId xmlns:p14="http://schemas.microsoft.com/office/powerpoint/2010/main" val="335131592"/>
+      </p:ext>
+    </p:extLst>
+  </p:cSld>
+  <p:clrMapOvr>
+    <a:masterClrMapping/>
+  </p:clrMapOvr>
+</p:sld>
+</file>
+
+<file path=ppt/slides/slide10.xml><?xml version="1.0" encoding="utf-8"?>
+<p:sld xmlns:a="http://schemas.openxmlformats.org/drawingml/2006/main" xmlns:r="http://schemas.openxmlformats.org/officeDocument/2006/relationships" xmlns:p="http://schemas.openxmlformats.org/presentationml/2006/main">
+  <p:cSld>
+    <p:spTree>
+      <p:nvGrpSpPr>
+        <p:cNvPr id="1" name=""/>
+        <p:cNvGrpSpPr/>
+        <p:nvPr/>
+      </p:nvGrpSpPr>
+      <p:grpSpPr>
+        <a:xfrm>
+          <a:off x="0" y="0"/>
+          <a:ext cx="0" cy="0"/>
+          <a:chOff x="0" y="0"/>
+          <a:chExt cx="0" cy="0"/>
+        </a:xfrm>
+      </p:grpSpPr>
+      <p:sp>
+        <p:nvSpPr>
+          <p:cNvPr id="2" name="Title 1">
+            <a:extLst>
+              <a:ext uri="{FF2B5EF4-FFF2-40B4-BE49-F238E27FC236}">
+                <a16:creationId xmlns:a16="http://schemas.microsoft.com/office/drawing/2014/main" id="{CDC28B9E-7C7A-EE8C-953C-54CAA945AE76}"/>
+              </a:ext>
+            </a:extLst>
+          </p:cNvPr>
+          <p:cNvSpPr>
+            <a:spLocks noGrp="1"/>
+          </p:cNvSpPr>
+          <p:nvPr>
+            <p:ph type="title"/>
+          </p:nvPr>
+        </p:nvSpPr>
+        <p:spPr/>
+        <p:txBody>
+          <a:bodyPr/>
+          <a:lstStyle/>
+          <a:p>
+            <a:endParaRPr lang="en-US"/>
+          </a:p>
+        </p:txBody>
+      </p:sp>
+      <p:sp>
+        <p:nvSpPr>
+          <p:cNvPr id="3" name="Content Placeholder 2">
+            <a:extLst>
+              <a:ext uri="{FF2B5EF4-FFF2-40B4-BE49-F238E27FC236}">
+                <a16:creationId xmlns:a16="http://schemas.microsoft.com/office/drawing/2014/main" id="{161B690F-FC24-9EF1-9585-630B3DCBDE0E}"/>
+              </a:ext>
+            </a:extLst>
+          </p:cNvPr>
+          <p:cNvSpPr>
+            <a:spLocks noGrp="1"/>
+          </p:cNvSpPr>
+          <p:nvPr>
+            <p:ph idx="1"/>
+          </p:nvPr>
+        </p:nvSpPr>
+        <p:spPr/>
+        <p:txBody>
+          <a:bodyPr/>
+          <a:lstStyle/>
+          <a:p>
+            <a:endParaRPr lang="en-US"/>
+          </a:p>
+        </p:txBody>
+      </p:sp>
+    </p:spTree>
+    <p:extLst>
+      <p:ext uri="{BB962C8B-B14F-4D97-AF65-F5344CB8AC3E}">
+        <p14:creationId xmlns:p14="http://schemas.microsoft.com/office/powerpoint/2010/main" val="1303591528"/>
       </p:ext>
     </p:extLst>
   </p:cSld>
@@ -3807,7 +4043,7 @@
         <p:spPr>
           <a:xfrm>
             <a:off x="649224" y="212759"/>
-            <a:ext cx="2283510" cy="369332"/>
+            <a:ext cx="3238900" cy="369332"/>
           </a:xfrm>
           <a:prstGeom prst="rect">
             <a:avLst/>
@@ -3822,7 +4058,7 @@
           <a:p>
             <a:r>
               <a:rPr lang="en-US" dirty="0"/>
-              <a:t>Find =&gt; my phone A22</a:t>
+              <a:t>Find =&gt; My phone A22 very Cool</a:t>
             </a:r>
           </a:p>
         </p:txBody>
@@ -3841,7 +4077,7 @@
         </p:nvSpPr>
         <p:spPr>
           <a:xfrm>
-            <a:off x="468630" y="1514779"/>
+            <a:off x="1458468" y="5412530"/>
             <a:ext cx="11912346" cy="646331"/>
           </a:xfrm>
           <a:prstGeom prst="rect">
@@ -3939,6 +4175,42 @@
           </a:p>
         </p:txBody>
       </p:sp>
+      <p:cxnSp>
+        <p:nvCxnSpPr>
+          <p:cNvPr id="4" name="Straight Connector 3">
+            <a:extLst>
+              <a:ext uri="{FF2B5EF4-FFF2-40B4-BE49-F238E27FC236}">
+                <a16:creationId xmlns:a16="http://schemas.microsoft.com/office/drawing/2014/main" id="{D87FE1A1-3A54-154E-25FA-2AE8DC085BE0}"/>
+              </a:ext>
+            </a:extLst>
+          </p:cNvPr>
+          <p:cNvCxnSpPr/>
+          <p:nvPr/>
+        </p:nvCxnSpPr>
+        <p:spPr>
+          <a:xfrm>
+            <a:off x="649224" y="1618488"/>
+            <a:ext cx="11064240" cy="0"/>
+          </a:xfrm>
+          <a:prstGeom prst="line">
+            <a:avLst/>
+          </a:prstGeom>
+        </p:spPr>
+        <p:style>
+          <a:lnRef idx="1">
+            <a:schemeClr val="accent1"/>
+          </a:lnRef>
+          <a:fillRef idx="0">
+            <a:schemeClr val="accent1"/>
+          </a:fillRef>
+          <a:effectRef idx="0">
+            <a:schemeClr val="accent1"/>
+          </a:effectRef>
+          <a:fontRef idx="minor">
+            <a:schemeClr val="tx1"/>
+          </a:fontRef>
+        </p:style>
+      </p:cxnSp>
     </p:spTree>
     <p:extLst>
       <p:ext uri="{BB962C8B-B14F-4D97-AF65-F5344CB8AC3E}">
@@ -3969,406 +4241,40 @@
           <a:chExt cx="0" cy="0"/>
         </a:xfrm>
       </p:grpSpPr>
-      <p:sp>
-        <p:nvSpPr>
-          <p:cNvPr id="5" name="TextBox 4">
-            <a:extLst>
-              <a:ext uri="{FF2B5EF4-FFF2-40B4-BE49-F238E27FC236}">
-                <a16:creationId xmlns:a16="http://schemas.microsoft.com/office/drawing/2014/main" id="{FCC58CE4-8A6D-C7DB-91DF-EEAE4571ABAA}"/>
-              </a:ext>
-            </a:extLst>
-          </p:cNvPr>
-          <p:cNvSpPr txBox="1"/>
+      <p:pic>
+        <p:nvPicPr>
+          <p:cNvPr id="5" name="Picture 4">
+            <a:extLst>
+              <a:ext uri="{FF2B5EF4-FFF2-40B4-BE49-F238E27FC236}">
+                <a16:creationId xmlns:a16="http://schemas.microsoft.com/office/drawing/2014/main" id="{CBE807C9-2486-9009-9CD1-0E9B27AD7B79}"/>
+              </a:ext>
+            </a:extLst>
+          </p:cNvPr>
+          <p:cNvPicPr>
+            <a:picLocks noChangeAspect="1"/>
+          </p:cNvPicPr>
           <p:nvPr/>
-        </p:nvSpPr>
+        </p:nvPicPr>
+        <p:blipFill>
+          <a:blip r:embed="rId2"/>
+          <a:stretch>
+            <a:fillRect/>
+          </a:stretch>
+        </p:blipFill>
         <p:spPr>
           <a:xfrm>
-            <a:off x="364998" y="485293"/>
-            <a:ext cx="5731002" cy="2031325"/>
+            <a:off x="210312" y="509471"/>
+            <a:ext cx="11475720" cy="4449170"/>
           </a:xfrm>
           <a:prstGeom prst="rect">
             <a:avLst/>
           </a:prstGeom>
-          <a:noFill/>
         </p:spPr>
-        <p:txBody>
-          <a:bodyPr wrap="square">
-            <a:spAutoFit/>
-          </a:bodyPr>
-          <a:lstStyle/>
-          <a:p>
-            <a:r>
-              <a:rPr lang="th-TH" b="0" i="0" dirty="0">
-                <a:solidFill>
-                  <a:srgbClr val="131313"/>
-                </a:solidFill>
-                <a:effectLst/>
-                <a:latin typeface="Roboto" panose="02000000000000000000" pitchFamily="2" charset="0"/>
-              </a:rPr>
-              <a:t>ตัวอย่างเว็บที่เขียนเสร็จ </a:t>
-            </a:r>
-            <a:r>
-              <a:rPr lang="en-US" b="0" i="0" u="none" strike="noStrike" dirty="0">
-                <a:solidFill>
-                  <a:srgbClr val="065FD4"/>
-                </a:solidFill>
-                <a:effectLst/>
-                <a:latin typeface="Roboto" panose="02000000000000000000" pitchFamily="2" charset="0"/>
-                <a:hlinkClick r:id="rId2"/>
-              </a:rPr>
-              <a:t>https://django-junraider.onrender.com</a:t>
-            </a:r>
-            <a:r>
-              <a:rPr lang="en-US" b="0" i="0" dirty="0">
-                <a:solidFill>
-                  <a:srgbClr val="131313"/>
-                </a:solidFill>
-                <a:effectLst/>
-                <a:latin typeface="Roboto" panose="02000000000000000000" pitchFamily="2" charset="0"/>
-              </a:rPr>
-              <a:t> </a:t>
-            </a:r>
-            <a:r>
-              <a:rPr lang="en-US" b="0" i="0" dirty="0" err="1">
-                <a:solidFill>
-                  <a:srgbClr val="131313"/>
-                </a:solidFill>
-                <a:effectLst/>
-                <a:latin typeface="Roboto" panose="02000000000000000000" pitchFamily="2" charset="0"/>
-              </a:rPr>
-              <a:t>Github</a:t>
-            </a:r>
-            <a:r>
-              <a:rPr lang="en-US" b="0" i="0" dirty="0">
-                <a:solidFill>
-                  <a:srgbClr val="131313"/>
-                </a:solidFill>
-                <a:effectLst/>
-                <a:latin typeface="Roboto" panose="02000000000000000000" pitchFamily="2" charset="0"/>
-              </a:rPr>
-              <a:t> project </a:t>
-            </a:r>
-            <a:r>
-              <a:rPr lang="en-US" b="0" i="0" u="none" strike="noStrike" dirty="0">
-                <a:solidFill>
-                  <a:srgbClr val="065FD4"/>
-                </a:solidFill>
-                <a:effectLst/>
-                <a:latin typeface="Roboto" panose="02000000000000000000" pitchFamily="2" charset="0"/>
-                <a:hlinkClick r:id="rId3"/>
-              </a:rPr>
-              <a:t>https://github.com/</a:t>
-            </a:r>
-            <a:r>
-              <a:rPr lang="en-US" b="0" i="0" u="none" strike="noStrike" dirty="0" err="1">
-                <a:solidFill>
-                  <a:srgbClr val="065FD4"/>
-                </a:solidFill>
-                <a:effectLst/>
-                <a:latin typeface="Roboto" panose="02000000000000000000" pitchFamily="2" charset="0"/>
-                <a:hlinkClick r:id="rId3"/>
-              </a:rPr>
-              <a:t>potchangelo</a:t>
-            </a:r>
-            <a:r>
-              <a:rPr lang="en-US" b="0" i="0" u="none" strike="noStrike" dirty="0">
-                <a:solidFill>
-                  <a:srgbClr val="065FD4"/>
-                </a:solidFill>
-                <a:effectLst/>
-                <a:latin typeface="Roboto" panose="02000000000000000000" pitchFamily="2" charset="0"/>
-                <a:hlinkClick r:id="rId3"/>
-              </a:rPr>
-              <a:t>/</a:t>
-            </a:r>
-            <a:r>
-              <a:rPr lang="en-US" b="0" i="0" u="none" strike="noStrike" dirty="0" err="1">
-                <a:solidFill>
-                  <a:srgbClr val="065FD4"/>
-                </a:solidFill>
-                <a:effectLst/>
-                <a:latin typeface="Roboto" panose="02000000000000000000" pitchFamily="2" charset="0"/>
-                <a:hlinkClick r:id="rId3"/>
-              </a:rPr>
-              <a:t>django</a:t>
-            </a:r>
-            <a:r>
-              <a:rPr lang="en-US" b="0" i="0" u="none" strike="noStrike" dirty="0">
-                <a:solidFill>
-                  <a:srgbClr val="065FD4"/>
-                </a:solidFill>
-                <a:effectLst/>
-                <a:latin typeface="Roboto" panose="02000000000000000000" pitchFamily="2" charset="0"/>
-                <a:hlinkClick r:id="rId3"/>
-              </a:rPr>
-              <a:t>...</a:t>
-            </a:r>
-            <a:r>
-              <a:rPr lang="en-US" b="0" i="0" dirty="0">
-                <a:solidFill>
-                  <a:srgbClr val="131313"/>
-                </a:solidFill>
-                <a:effectLst/>
-                <a:latin typeface="Roboto" panose="02000000000000000000" pitchFamily="2" charset="0"/>
-              </a:rPr>
-              <a:t> </a:t>
-            </a:r>
-            <a:r>
-              <a:rPr lang="th-TH" b="0" i="0" dirty="0">
-                <a:solidFill>
-                  <a:srgbClr val="131313"/>
-                </a:solidFill>
-                <a:effectLst/>
-                <a:latin typeface="Roboto" panose="02000000000000000000" pitchFamily="2" charset="0"/>
-              </a:rPr>
-              <a:t>รูปภาพทั้งหมด </a:t>
-            </a:r>
-            <a:r>
-              <a:rPr lang="en-US" b="0" i="0" u="none" strike="noStrike" dirty="0">
-                <a:solidFill>
-                  <a:srgbClr val="065FD4"/>
-                </a:solidFill>
-                <a:effectLst/>
-                <a:latin typeface="Roboto" panose="02000000000000000000" pitchFamily="2" charset="0"/>
-                <a:hlinkClick r:id="rId4"/>
-              </a:rPr>
-              <a:t>https://github.com/</a:t>
-            </a:r>
-            <a:r>
-              <a:rPr lang="en-US" b="0" i="0" u="none" strike="noStrike" dirty="0" err="1">
-                <a:solidFill>
-                  <a:srgbClr val="065FD4"/>
-                </a:solidFill>
-                <a:effectLst/>
-                <a:latin typeface="Roboto" panose="02000000000000000000" pitchFamily="2" charset="0"/>
-                <a:hlinkClick r:id="rId4"/>
-              </a:rPr>
-              <a:t>potchangelo</a:t>
-            </a:r>
-            <a:r>
-              <a:rPr lang="en-US" b="0" i="0" u="none" strike="noStrike" dirty="0">
-                <a:solidFill>
-                  <a:srgbClr val="065FD4"/>
-                </a:solidFill>
-                <a:effectLst/>
-                <a:latin typeface="Roboto" panose="02000000000000000000" pitchFamily="2" charset="0"/>
-                <a:hlinkClick r:id="rId4"/>
-              </a:rPr>
-              <a:t>/</a:t>
-            </a:r>
-            <a:r>
-              <a:rPr lang="en-US" b="0" i="0" u="none" strike="noStrike" dirty="0" err="1">
-                <a:solidFill>
-                  <a:srgbClr val="065FD4"/>
-                </a:solidFill>
-                <a:effectLst/>
-                <a:latin typeface="Roboto" panose="02000000000000000000" pitchFamily="2" charset="0"/>
-                <a:hlinkClick r:id="rId4"/>
-              </a:rPr>
-              <a:t>django</a:t>
-            </a:r>
-            <a:r>
-              <a:rPr lang="en-US" b="0" i="0" u="none" strike="noStrike" dirty="0">
-                <a:solidFill>
-                  <a:srgbClr val="065FD4"/>
-                </a:solidFill>
-                <a:effectLst/>
-                <a:latin typeface="Roboto" panose="02000000000000000000" pitchFamily="2" charset="0"/>
-                <a:hlinkClick r:id="rId4"/>
-              </a:rPr>
-              <a:t>...</a:t>
-            </a:r>
-            <a:r>
-              <a:rPr lang="en-US" b="0" i="0" dirty="0">
-                <a:solidFill>
-                  <a:srgbClr val="131313"/>
-                </a:solidFill>
-                <a:effectLst/>
-                <a:latin typeface="Roboto" panose="02000000000000000000" pitchFamily="2" charset="0"/>
-              </a:rPr>
-              <a:t> </a:t>
-            </a:r>
-            <a:r>
-              <a:rPr lang="th-TH" b="0" i="0" dirty="0">
-                <a:solidFill>
-                  <a:srgbClr val="131313"/>
-                </a:solidFill>
-                <a:effectLst/>
-                <a:latin typeface="Roboto" panose="02000000000000000000" pitchFamily="2" charset="0"/>
-              </a:rPr>
-              <a:t>โค้ด </a:t>
-            </a:r>
-            <a:r>
-              <a:rPr lang="en-US" b="0" i="0" dirty="0">
-                <a:solidFill>
-                  <a:srgbClr val="131313"/>
-                </a:solidFill>
-                <a:effectLst/>
-                <a:latin typeface="Roboto" panose="02000000000000000000" pitchFamily="2" charset="0"/>
-              </a:rPr>
-              <a:t>CSS </a:t>
-            </a:r>
-            <a:r>
-              <a:rPr lang="en-US" b="0" i="0" u="none" strike="noStrike" dirty="0">
-                <a:solidFill>
-                  <a:srgbClr val="065FD4"/>
-                </a:solidFill>
-                <a:effectLst/>
-                <a:latin typeface="Roboto" panose="02000000000000000000" pitchFamily="2" charset="0"/>
-                <a:hlinkClick r:id="rId5"/>
-              </a:rPr>
-              <a:t>https://github.com/</a:t>
-            </a:r>
-            <a:r>
-              <a:rPr lang="en-US" b="0" i="0" u="none" strike="noStrike" dirty="0" err="1">
-                <a:solidFill>
-                  <a:srgbClr val="065FD4"/>
-                </a:solidFill>
-                <a:effectLst/>
-                <a:latin typeface="Roboto" panose="02000000000000000000" pitchFamily="2" charset="0"/>
-                <a:hlinkClick r:id="rId5"/>
-              </a:rPr>
-              <a:t>potchangelo</a:t>
-            </a:r>
-            <a:r>
-              <a:rPr lang="en-US" b="0" i="0" u="none" strike="noStrike" dirty="0">
-                <a:solidFill>
-                  <a:srgbClr val="065FD4"/>
-                </a:solidFill>
-                <a:effectLst/>
-                <a:latin typeface="Roboto" panose="02000000000000000000" pitchFamily="2" charset="0"/>
-                <a:hlinkClick r:id="rId5"/>
-              </a:rPr>
-              <a:t>/</a:t>
-            </a:r>
-            <a:r>
-              <a:rPr lang="en-US" b="0" i="0" u="none" strike="noStrike" dirty="0" err="1">
-                <a:solidFill>
-                  <a:srgbClr val="065FD4"/>
-                </a:solidFill>
-                <a:effectLst/>
-                <a:latin typeface="Roboto" panose="02000000000000000000" pitchFamily="2" charset="0"/>
-                <a:hlinkClick r:id="rId5"/>
-              </a:rPr>
-              <a:t>django</a:t>
-            </a:r>
-            <a:r>
-              <a:rPr lang="en-US" b="0" i="0" u="none" strike="noStrike" dirty="0">
-                <a:solidFill>
-                  <a:srgbClr val="065FD4"/>
-                </a:solidFill>
-                <a:effectLst/>
-                <a:latin typeface="Roboto" panose="02000000000000000000" pitchFamily="2" charset="0"/>
-                <a:hlinkClick r:id="rId5"/>
-              </a:rPr>
-              <a:t>...</a:t>
-            </a:r>
-            <a:r>
-              <a:rPr lang="en-US" b="0" i="0" dirty="0">
-                <a:solidFill>
-                  <a:srgbClr val="131313"/>
-                </a:solidFill>
-                <a:effectLst/>
-                <a:latin typeface="Roboto" panose="02000000000000000000" pitchFamily="2" charset="0"/>
-              </a:rPr>
-              <a:t> </a:t>
-            </a:r>
-            <a:r>
-              <a:rPr lang="th-TH" b="0" i="0" dirty="0">
-                <a:solidFill>
-                  <a:srgbClr val="131313"/>
-                </a:solidFill>
-                <a:effectLst/>
-                <a:latin typeface="Roboto" panose="02000000000000000000" pitchFamily="2" charset="0"/>
-              </a:rPr>
-              <a:t>โค้ด </a:t>
-            </a:r>
-            <a:r>
-              <a:rPr lang="en-US" b="0" i="0" dirty="0">
-                <a:solidFill>
-                  <a:srgbClr val="131313"/>
-                </a:solidFill>
-                <a:effectLst/>
-                <a:latin typeface="Roboto" panose="02000000000000000000" pitchFamily="2" charset="0"/>
-              </a:rPr>
-              <a:t>JavaScript </a:t>
-            </a:r>
-            <a:r>
-              <a:rPr lang="en-US" b="0" i="0" u="none" strike="noStrike" dirty="0">
-                <a:solidFill>
-                  <a:srgbClr val="065FD4"/>
-                </a:solidFill>
-                <a:effectLst/>
-                <a:latin typeface="Roboto" panose="02000000000000000000" pitchFamily="2" charset="0"/>
-                <a:hlinkClick r:id="rId6"/>
-              </a:rPr>
-              <a:t>https://github.com/</a:t>
-            </a:r>
-            <a:r>
-              <a:rPr lang="en-US" b="0" i="0" u="none" strike="noStrike" dirty="0" err="1">
-                <a:solidFill>
-                  <a:srgbClr val="065FD4"/>
-                </a:solidFill>
-                <a:effectLst/>
-                <a:latin typeface="Roboto" panose="02000000000000000000" pitchFamily="2" charset="0"/>
-                <a:hlinkClick r:id="rId6"/>
-              </a:rPr>
-              <a:t>potchangelo</a:t>
-            </a:r>
-            <a:r>
-              <a:rPr lang="en-US" b="0" i="0" u="none" strike="noStrike" dirty="0">
-                <a:solidFill>
-                  <a:srgbClr val="065FD4"/>
-                </a:solidFill>
-                <a:effectLst/>
-                <a:latin typeface="Roboto" panose="02000000000000000000" pitchFamily="2" charset="0"/>
-                <a:hlinkClick r:id="rId6"/>
-              </a:rPr>
-              <a:t>/</a:t>
-            </a:r>
-            <a:r>
-              <a:rPr lang="en-US" b="0" i="0" u="none" strike="noStrike" dirty="0" err="1">
-                <a:solidFill>
-                  <a:srgbClr val="065FD4"/>
-                </a:solidFill>
-                <a:effectLst/>
-                <a:latin typeface="Roboto" panose="02000000000000000000" pitchFamily="2" charset="0"/>
-                <a:hlinkClick r:id="rId6"/>
-              </a:rPr>
-              <a:t>django</a:t>
-            </a:r>
-            <a:r>
-              <a:rPr lang="en-US" b="0" i="0" u="none" strike="noStrike" dirty="0">
-                <a:solidFill>
-                  <a:srgbClr val="065FD4"/>
-                </a:solidFill>
-                <a:effectLst/>
-                <a:latin typeface="Roboto" panose="02000000000000000000" pitchFamily="2" charset="0"/>
-                <a:hlinkClick r:id="rId6"/>
-              </a:rPr>
-              <a:t>...</a:t>
-            </a:r>
-            <a:r>
-              <a:rPr lang="en-US" b="0" i="0" dirty="0">
-                <a:solidFill>
-                  <a:srgbClr val="131313"/>
-                </a:solidFill>
-                <a:effectLst/>
-                <a:latin typeface="Roboto" panose="02000000000000000000" pitchFamily="2" charset="0"/>
-              </a:rPr>
-              <a:t> </a:t>
-            </a:r>
-            <a:br>
-              <a:rPr lang="en-US" dirty="0"/>
-            </a:br>
-            <a:endParaRPr lang="en-US" dirty="0"/>
-          </a:p>
-        </p:txBody>
-      </p:sp>
+      </p:pic>
     </p:spTree>
     <p:extLst>
       <p:ext uri="{BB962C8B-B14F-4D97-AF65-F5344CB8AC3E}">
-        <p14:creationId xmlns:p14="http://schemas.microsoft.com/office/powerpoint/2010/main" val="1379730928"/>
+        <p14:creationId xmlns:p14="http://schemas.microsoft.com/office/powerpoint/2010/main" val="1944199189"/>
       </p:ext>
     </p:extLst>
   </p:cSld>
@@ -4395,6 +4301,432 @@
           <a:chExt cx="0" cy="0"/>
         </a:xfrm>
       </p:grpSpPr>
+      <p:sp>
+        <p:nvSpPr>
+          <p:cNvPr id="5" name="TextBox 4">
+            <a:extLst>
+              <a:ext uri="{FF2B5EF4-FFF2-40B4-BE49-F238E27FC236}">
+                <a16:creationId xmlns:a16="http://schemas.microsoft.com/office/drawing/2014/main" id="{FCC58CE4-8A6D-C7DB-91DF-EEAE4571ABAA}"/>
+              </a:ext>
+            </a:extLst>
+          </p:cNvPr>
+          <p:cNvSpPr txBox="1"/>
+          <p:nvPr/>
+        </p:nvSpPr>
+        <p:spPr>
+          <a:xfrm>
+            <a:off x="364998" y="485293"/>
+            <a:ext cx="5731002" cy="2031325"/>
+          </a:xfrm>
+          <a:prstGeom prst="rect">
+            <a:avLst/>
+          </a:prstGeom>
+          <a:noFill/>
+        </p:spPr>
+        <p:txBody>
+          <a:bodyPr wrap="square">
+            <a:spAutoFit/>
+          </a:bodyPr>
+          <a:lstStyle/>
+          <a:p>
+            <a:r>
+              <a:rPr lang="th-TH" b="0" i="0" dirty="0">
+                <a:solidFill>
+                  <a:srgbClr val="131313"/>
+                </a:solidFill>
+                <a:effectLst/>
+                <a:latin typeface="Roboto" panose="02000000000000000000" pitchFamily="2" charset="0"/>
+              </a:rPr>
+              <a:t>ตัวอย่างเว็บที่เขียนเสร็จ </a:t>
+            </a:r>
+            <a:r>
+              <a:rPr lang="en-US" b="0" i="0" u="none" strike="noStrike" dirty="0">
+                <a:solidFill>
+                  <a:srgbClr val="065FD4"/>
+                </a:solidFill>
+                <a:effectLst/>
+                <a:latin typeface="Roboto" panose="02000000000000000000" pitchFamily="2" charset="0"/>
+                <a:hlinkClick r:id="rId2"/>
+              </a:rPr>
+              <a:t>https://django-junraider.onrender.com</a:t>
+            </a:r>
+            <a:r>
+              <a:rPr lang="en-US" b="0" i="0" dirty="0">
+                <a:solidFill>
+                  <a:srgbClr val="131313"/>
+                </a:solidFill>
+                <a:effectLst/>
+                <a:latin typeface="Roboto" panose="02000000000000000000" pitchFamily="2" charset="0"/>
+              </a:rPr>
+              <a:t> </a:t>
+            </a:r>
+            <a:r>
+              <a:rPr lang="en-US" b="0" i="0" dirty="0" err="1">
+                <a:solidFill>
+                  <a:srgbClr val="131313"/>
+                </a:solidFill>
+                <a:effectLst/>
+                <a:latin typeface="Roboto" panose="02000000000000000000" pitchFamily="2" charset="0"/>
+              </a:rPr>
+              <a:t>Github</a:t>
+            </a:r>
+            <a:r>
+              <a:rPr lang="en-US" b="0" i="0" dirty="0">
+                <a:solidFill>
+                  <a:srgbClr val="131313"/>
+                </a:solidFill>
+                <a:effectLst/>
+                <a:latin typeface="Roboto" panose="02000000000000000000" pitchFamily="2" charset="0"/>
+              </a:rPr>
+              <a:t> project </a:t>
+            </a:r>
+            <a:r>
+              <a:rPr lang="en-US" b="0" i="0" u="none" strike="noStrike" dirty="0">
+                <a:solidFill>
+                  <a:srgbClr val="065FD4"/>
+                </a:solidFill>
+                <a:effectLst/>
+                <a:latin typeface="Roboto" panose="02000000000000000000" pitchFamily="2" charset="0"/>
+                <a:hlinkClick r:id="rId3"/>
+              </a:rPr>
+              <a:t>https://github.com/</a:t>
+            </a:r>
+            <a:r>
+              <a:rPr lang="en-US" b="0" i="0" u="none" strike="noStrike" dirty="0" err="1">
+                <a:solidFill>
+                  <a:srgbClr val="065FD4"/>
+                </a:solidFill>
+                <a:effectLst/>
+                <a:latin typeface="Roboto" panose="02000000000000000000" pitchFamily="2" charset="0"/>
+                <a:hlinkClick r:id="rId3"/>
+              </a:rPr>
+              <a:t>potchangelo</a:t>
+            </a:r>
+            <a:r>
+              <a:rPr lang="en-US" b="0" i="0" u="none" strike="noStrike" dirty="0">
+                <a:solidFill>
+                  <a:srgbClr val="065FD4"/>
+                </a:solidFill>
+                <a:effectLst/>
+                <a:latin typeface="Roboto" panose="02000000000000000000" pitchFamily="2" charset="0"/>
+                <a:hlinkClick r:id="rId3"/>
+              </a:rPr>
+              <a:t>/</a:t>
+            </a:r>
+            <a:r>
+              <a:rPr lang="en-US" b="0" i="0" u="none" strike="noStrike" dirty="0" err="1">
+                <a:solidFill>
+                  <a:srgbClr val="065FD4"/>
+                </a:solidFill>
+                <a:effectLst/>
+                <a:latin typeface="Roboto" panose="02000000000000000000" pitchFamily="2" charset="0"/>
+                <a:hlinkClick r:id="rId3"/>
+              </a:rPr>
+              <a:t>django</a:t>
+            </a:r>
+            <a:r>
+              <a:rPr lang="en-US" b="0" i="0" u="none" strike="noStrike" dirty="0">
+                <a:solidFill>
+                  <a:srgbClr val="065FD4"/>
+                </a:solidFill>
+                <a:effectLst/>
+                <a:latin typeface="Roboto" panose="02000000000000000000" pitchFamily="2" charset="0"/>
+                <a:hlinkClick r:id="rId3"/>
+              </a:rPr>
+              <a:t>...</a:t>
+            </a:r>
+            <a:r>
+              <a:rPr lang="en-US" b="0" i="0" dirty="0">
+                <a:solidFill>
+                  <a:srgbClr val="131313"/>
+                </a:solidFill>
+                <a:effectLst/>
+                <a:latin typeface="Roboto" panose="02000000000000000000" pitchFamily="2" charset="0"/>
+              </a:rPr>
+              <a:t> </a:t>
+            </a:r>
+            <a:r>
+              <a:rPr lang="th-TH" b="0" i="0" dirty="0">
+                <a:solidFill>
+                  <a:srgbClr val="131313"/>
+                </a:solidFill>
+                <a:effectLst/>
+                <a:latin typeface="Roboto" panose="02000000000000000000" pitchFamily="2" charset="0"/>
+              </a:rPr>
+              <a:t>รูปภาพทั้งหมด </a:t>
+            </a:r>
+            <a:r>
+              <a:rPr lang="en-US" b="0" i="0" u="none" strike="noStrike" dirty="0">
+                <a:solidFill>
+                  <a:srgbClr val="065FD4"/>
+                </a:solidFill>
+                <a:effectLst/>
+                <a:latin typeface="Roboto" panose="02000000000000000000" pitchFamily="2" charset="0"/>
+                <a:hlinkClick r:id="rId4"/>
+              </a:rPr>
+              <a:t>https://github.com/</a:t>
+            </a:r>
+            <a:r>
+              <a:rPr lang="en-US" b="0" i="0" u="none" strike="noStrike" dirty="0" err="1">
+                <a:solidFill>
+                  <a:srgbClr val="065FD4"/>
+                </a:solidFill>
+                <a:effectLst/>
+                <a:latin typeface="Roboto" panose="02000000000000000000" pitchFamily="2" charset="0"/>
+                <a:hlinkClick r:id="rId4"/>
+              </a:rPr>
+              <a:t>potchangelo</a:t>
+            </a:r>
+            <a:r>
+              <a:rPr lang="en-US" b="0" i="0" u="none" strike="noStrike" dirty="0">
+                <a:solidFill>
+                  <a:srgbClr val="065FD4"/>
+                </a:solidFill>
+                <a:effectLst/>
+                <a:latin typeface="Roboto" panose="02000000000000000000" pitchFamily="2" charset="0"/>
+                <a:hlinkClick r:id="rId4"/>
+              </a:rPr>
+              <a:t>/</a:t>
+            </a:r>
+            <a:r>
+              <a:rPr lang="en-US" b="0" i="0" u="none" strike="noStrike" dirty="0" err="1">
+                <a:solidFill>
+                  <a:srgbClr val="065FD4"/>
+                </a:solidFill>
+                <a:effectLst/>
+                <a:latin typeface="Roboto" panose="02000000000000000000" pitchFamily="2" charset="0"/>
+                <a:hlinkClick r:id="rId4"/>
+              </a:rPr>
+              <a:t>django</a:t>
+            </a:r>
+            <a:r>
+              <a:rPr lang="en-US" b="0" i="0" u="none" strike="noStrike" dirty="0">
+                <a:solidFill>
+                  <a:srgbClr val="065FD4"/>
+                </a:solidFill>
+                <a:effectLst/>
+                <a:latin typeface="Roboto" panose="02000000000000000000" pitchFamily="2" charset="0"/>
+                <a:hlinkClick r:id="rId4"/>
+              </a:rPr>
+              <a:t>...</a:t>
+            </a:r>
+            <a:r>
+              <a:rPr lang="en-US" b="0" i="0" dirty="0">
+                <a:solidFill>
+                  <a:srgbClr val="131313"/>
+                </a:solidFill>
+                <a:effectLst/>
+                <a:latin typeface="Roboto" panose="02000000000000000000" pitchFamily="2" charset="0"/>
+              </a:rPr>
+              <a:t> </a:t>
+            </a:r>
+            <a:r>
+              <a:rPr lang="th-TH" b="0" i="0" dirty="0">
+                <a:solidFill>
+                  <a:srgbClr val="131313"/>
+                </a:solidFill>
+                <a:effectLst/>
+                <a:latin typeface="Roboto" panose="02000000000000000000" pitchFamily="2" charset="0"/>
+              </a:rPr>
+              <a:t>โค้ด </a:t>
+            </a:r>
+            <a:r>
+              <a:rPr lang="en-US" b="0" i="0" dirty="0">
+                <a:solidFill>
+                  <a:srgbClr val="131313"/>
+                </a:solidFill>
+                <a:effectLst/>
+                <a:latin typeface="Roboto" panose="02000000000000000000" pitchFamily="2" charset="0"/>
+              </a:rPr>
+              <a:t>CSS </a:t>
+            </a:r>
+            <a:r>
+              <a:rPr lang="en-US" b="0" i="0" u="none" strike="noStrike" dirty="0">
+                <a:solidFill>
+                  <a:srgbClr val="065FD4"/>
+                </a:solidFill>
+                <a:effectLst/>
+                <a:latin typeface="Roboto" panose="02000000000000000000" pitchFamily="2" charset="0"/>
+                <a:hlinkClick r:id="rId5"/>
+              </a:rPr>
+              <a:t>https://github.com/</a:t>
+            </a:r>
+            <a:r>
+              <a:rPr lang="en-US" b="0" i="0" u="none" strike="noStrike" dirty="0" err="1">
+                <a:solidFill>
+                  <a:srgbClr val="065FD4"/>
+                </a:solidFill>
+                <a:effectLst/>
+                <a:latin typeface="Roboto" panose="02000000000000000000" pitchFamily="2" charset="0"/>
+                <a:hlinkClick r:id="rId5"/>
+              </a:rPr>
+              <a:t>potchangelo</a:t>
+            </a:r>
+            <a:r>
+              <a:rPr lang="en-US" b="0" i="0" u="none" strike="noStrike" dirty="0">
+                <a:solidFill>
+                  <a:srgbClr val="065FD4"/>
+                </a:solidFill>
+                <a:effectLst/>
+                <a:latin typeface="Roboto" panose="02000000000000000000" pitchFamily="2" charset="0"/>
+                <a:hlinkClick r:id="rId5"/>
+              </a:rPr>
+              <a:t>/</a:t>
+            </a:r>
+            <a:r>
+              <a:rPr lang="en-US" b="0" i="0" u="none" strike="noStrike" dirty="0" err="1">
+                <a:solidFill>
+                  <a:srgbClr val="065FD4"/>
+                </a:solidFill>
+                <a:effectLst/>
+                <a:latin typeface="Roboto" panose="02000000000000000000" pitchFamily="2" charset="0"/>
+                <a:hlinkClick r:id="rId5"/>
+              </a:rPr>
+              <a:t>django</a:t>
+            </a:r>
+            <a:r>
+              <a:rPr lang="en-US" b="0" i="0" u="none" strike="noStrike" dirty="0">
+                <a:solidFill>
+                  <a:srgbClr val="065FD4"/>
+                </a:solidFill>
+                <a:effectLst/>
+                <a:latin typeface="Roboto" panose="02000000000000000000" pitchFamily="2" charset="0"/>
+                <a:hlinkClick r:id="rId5"/>
+              </a:rPr>
+              <a:t>...</a:t>
+            </a:r>
+            <a:r>
+              <a:rPr lang="en-US" b="0" i="0" dirty="0">
+                <a:solidFill>
+                  <a:srgbClr val="131313"/>
+                </a:solidFill>
+                <a:effectLst/>
+                <a:latin typeface="Roboto" panose="02000000000000000000" pitchFamily="2" charset="0"/>
+              </a:rPr>
+              <a:t> </a:t>
+            </a:r>
+            <a:r>
+              <a:rPr lang="th-TH" b="0" i="0" dirty="0">
+                <a:solidFill>
+                  <a:srgbClr val="131313"/>
+                </a:solidFill>
+                <a:effectLst/>
+                <a:latin typeface="Roboto" panose="02000000000000000000" pitchFamily="2" charset="0"/>
+              </a:rPr>
+              <a:t>โค้ด </a:t>
+            </a:r>
+            <a:r>
+              <a:rPr lang="en-US" b="0" i="0" dirty="0">
+                <a:solidFill>
+                  <a:srgbClr val="131313"/>
+                </a:solidFill>
+                <a:effectLst/>
+                <a:latin typeface="Roboto" panose="02000000000000000000" pitchFamily="2" charset="0"/>
+              </a:rPr>
+              <a:t>JavaScript </a:t>
+            </a:r>
+            <a:r>
+              <a:rPr lang="en-US" b="0" i="0" u="none" strike="noStrike" dirty="0">
+                <a:solidFill>
+                  <a:srgbClr val="065FD4"/>
+                </a:solidFill>
+                <a:effectLst/>
+                <a:latin typeface="Roboto" panose="02000000000000000000" pitchFamily="2" charset="0"/>
+                <a:hlinkClick r:id="rId6"/>
+              </a:rPr>
+              <a:t>https://github.com/</a:t>
+            </a:r>
+            <a:r>
+              <a:rPr lang="en-US" b="0" i="0" u="none" strike="noStrike" dirty="0" err="1">
+                <a:solidFill>
+                  <a:srgbClr val="065FD4"/>
+                </a:solidFill>
+                <a:effectLst/>
+                <a:latin typeface="Roboto" panose="02000000000000000000" pitchFamily="2" charset="0"/>
+                <a:hlinkClick r:id="rId6"/>
+              </a:rPr>
+              <a:t>potchangelo</a:t>
+            </a:r>
+            <a:r>
+              <a:rPr lang="en-US" b="0" i="0" u="none" strike="noStrike" dirty="0">
+                <a:solidFill>
+                  <a:srgbClr val="065FD4"/>
+                </a:solidFill>
+                <a:effectLst/>
+                <a:latin typeface="Roboto" panose="02000000000000000000" pitchFamily="2" charset="0"/>
+                <a:hlinkClick r:id="rId6"/>
+              </a:rPr>
+              <a:t>/</a:t>
+            </a:r>
+            <a:r>
+              <a:rPr lang="en-US" b="0" i="0" u="none" strike="noStrike" dirty="0" err="1">
+                <a:solidFill>
+                  <a:srgbClr val="065FD4"/>
+                </a:solidFill>
+                <a:effectLst/>
+                <a:latin typeface="Roboto" panose="02000000000000000000" pitchFamily="2" charset="0"/>
+                <a:hlinkClick r:id="rId6"/>
+              </a:rPr>
+              <a:t>django</a:t>
+            </a:r>
+            <a:r>
+              <a:rPr lang="en-US" b="0" i="0" u="none" strike="noStrike" dirty="0">
+                <a:solidFill>
+                  <a:srgbClr val="065FD4"/>
+                </a:solidFill>
+                <a:effectLst/>
+                <a:latin typeface="Roboto" panose="02000000000000000000" pitchFamily="2" charset="0"/>
+                <a:hlinkClick r:id="rId6"/>
+              </a:rPr>
+              <a:t>...</a:t>
+            </a:r>
+            <a:r>
+              <a:rPr lang="en-US" b="0" i="0" dirty="0">
+                <a:solidFill>
+                  <a:srgbClr val="131313"/>
+                </a:solidFill>
+                <a:effectLst/>
+                <a:latin typeface="Roboto" panose="02000000000000000000" pitchFamily="2" charset="0"/>
+              </a:rPr>
+              <a:t> </a:t>
+            </a:r>
+            <a:br>
+              <a:rPr lang="en-US" dirty="0"/>
+            </a:br>
+            <a:endParaRPr lang="en-US" dirty="0"/>
+          </a:p>
+        </p:txBody>
+      </p:sp>
+    </p:spTree>
+    <p:extLst>
+      <p:ext uri="{BB962C8B-B14F-4D97-AF65-F5344CB8AC3E}">
+        <p14:creationId xmlns:p14="http://schemas.microsoft.com/office/powerpoint/2010/main" val="1379730928"/>
+      </p:ext>
+    </p:extLst>
+  </p:cSld>
+  <p:clrMapOvr>
+    <a:masterClrMapping/>
+  </p:clrMapOvr>
+</p:sld>
+</file>
+
+<file path=ppt/slides/slide5.xml><?xml version="1.0" encoding="utf-8"?>
+<p:sld xmlns:a="http://schemas.openxmlformats.org/drawingml/2006/main" xmlns:r="http://schemas.openxmlformats.org/officeDocument/2006/relationships" xmlns:p="http://schemas.openxmlformats.org/presentationml/2006/main">
+  <p:cSld>
+    <p:spTree>
+      <p:nvGrpSpPr>
+        <p:cNvPr id="1" name=""/>
+        <p:cNvGrpSpPr/>
+        <p:nvPr/>
+      </p:nvGrpSpPr>
+      <p:grpSpPr>
+        <a:xfrm>
+          <a:off x="0" y="0"/>
+          <a:ext cx="0" cy="0"/>
+          <a:chOff x="0" y="0"/>
+          <a:chExt cx="0" cy="0"/>
+        </a:xfrm>
+      </p:grpSpPr>
       <p:pic>
         <p:nvPicPr>
           <p:cNvPr id="5" name="Picture 4">
@@ -4532,7 +4864,7 @@
 </p:sld>
 </file>
 
-<file path=ppt/slides/slide5.xml><?xml version="1.0" encoding="utf-8"?>
+<file path=ppt/slides/slide6.xml><?xml version="1.0" encoding="utf-8"?>
 <p:sld xmlns:a="http://schemas.openxmlformats.org/drawingml/2006/main" xmlns:r="http://schemas.openxmlformats.org/officeDocument/2006/relationships" xmlns:p="http://schemas.openxmlformats.org/presentationml/2006/main">
   <p:cSld>
     <p:spTree>
@@ -4622,7 +4954,7 @@
 </p:sld>
 </file>
 
-<file path=ppt/slides/slide6.xml><?xml version="1.0" encoding="utf-8"?>
+<file path=ppt/slides/slide7.xml><?xml version="1.0" encoding="utf-8"?>
 <p:sld xmlns:a="http://schemas.openxmlformats.org/drawingml/2006/main" xmlns:r="http://schemas.openxmlformats.org/officeDocument/2006/relationships" xmlns:p="http://schemas.openxmlformats.org/presentationml/2006/main">
   <p:cSld>
     <p:spTree>
@@ -4762,7 +5094,7 @@
 </p:sld>
 </file>
 
-<file path=ppt/slides/slide7.xml><?xml version="1.0" encoding="utf-8"?>
+<file path=ppt/slides/slide8.xml><?xml version="1.0" encoding="utf-8"?>
 <p:sld xmlns:a="http://schemas.openxmlformats.org/drawingml/2006/main" xmlns:r="http://schemas.openxmlformats.org/officeDocument/2006/relationships" xmlns:p="http://schemas.openxmlformats.org/presentationml/2006/main">
   <p:cSld>
     <p:spTree>
@@ -4822,7 +5154,7 @@
 </p:sld>
 </file>
 
-<file path=ppt/slides/slide8.xml><?xml version="1.0" encoding="utf-8"?>
+<file path=ppt/slides/slide9.xml><?xml version="1.0" encoding="utf-8"?>
 <p:sld xmlns:a="http://schemas.openxmlformats.org/drawingml/2006/main" xmlns:r="http://schemas.openxmlformats.org/officeDocument/2006/relationships" xmlns:p="http://schemas.openxmlformats.org/presentationml/2006/main">
   <p:cSld>
     <p:spTree>
@@ -4873,86 +5205,6 @@
     <p:extLst>
       <p:ext uri="{BB962C8B-B14F-4D97-AF65-F5344CB8AC3E}">
         <p14:creationId xmlns:p14="http://schemas.microsoft.com/office/powerpoint/2010/main" val="2158938808"/>
-      </p:ext>
-    </p:extLst>
-  </p:cSld>
-  <p:clrMapOvr>
-    <a:masterClrMapping/>
-  </p:clrMapOvr>
-</p:sld>
-</file>
-
-<file path=ppt/slides/slide9.xml><?xml version="1.0" encoding="utf-8"?>
-<p:sld xmlns:a="http://schemas.openxmlformats.org/drawingml/2006/main" xmlns:r="http://schemas.openxmlformats.org/officeDocument/2006/relationships" xmlns:p="http://schemas.openxmlformats.org/presentationml/2006/main">
-  <p:cSld>
-    <p:spTree>
-      <p:nvGrpSpPr>
-        <p:cNvPr id="1" name=""/>
-        <p:cNvGrpSpPr/>
-        <p:nvPr/>
-      </p:nvGrpSpPr>
-      <p:grpSpPr>
-        <a:xfrm>
-          <a:off x="0" y="0"/>
-          <a:ext cx="0" cy="0"/>
-          <a:chOff x="0" y="0"/>
-          <a:chExt cx="0" cy="0"/>
-        </a:xfrm>
-      </p:grpSpPr>
-      <p:sp>
-        <p:nvSpPr>
-          <p:cNvPr id="2" name="Title 1">
-            <a:extLst>
-              <a:ext uri="{FF2B5EF4-FFF2-40B4-BE49-F238E27FC236}">
-                <a16:creationId xmlns:a16="http://schemas.microsoft.com/office/drawing/2014/main" id="{CDC28B9E-7C7A-EE8C-953C-54CAA945AE76}"/>
-              </a:ext>
-            </a:extLst>
-          </p:cNvPr>
-          <p:cNvSpPr>
-            <a:spLocks noGrp="1"/>
-          </p:cNvSpPr>
-          <p:nvPr>
-            <p:ph type="title"/>
-          </p:nvPr>
-        </p:nvSpPr>
-        <p:spPr/>
-        <p:txBody>
-          <a:bodyPr/>
-          <a:lstStyle/>
-          <a:p>
-            <a:endParaRPr lang="en-US"/>
-          </a:p>
-        </p:txBody>
-      </p:sp>
-      <p:sp>
-        <p:nvSpPr>
-          <p:cNvPr id="3" name="Content Placeholder 2">
-            <a:extLst>
-              <a:ext uri="{FF2B5EF4-FFF2-40B4-BE49-F238E27FC236}">
-                <a16:creationId xmlns:a16="http://schemas.microsoft.com/office/drawing/2014/main" id="{161B690F-FC24-9EF1-9585-630B3DCBDE0E}"/>
-              </a:ext>
-            </a:extLst>
-          </p:cNvPr>
-          <p:cNvSpPr>
-            <a:spLocks noGrp="1"/>
-          </p:cNvSpPr>
-          <p:nvPr>
-            <p:ph idx="1"/>
-          </p:nvPr>
-        </p:nvSpPr>
-        <p:spPr/>
-        <p:txBody>
-          <a:bodyPr/>
-          <a:lstStyle/>
-          <a:p>
-            <a:endParaRPr lang="en-US"/>
-          </a:p>
-        </p:txBody>
-      </p:sp>
-    </p:spTree>
-    <p:extLst>
-      <p:ext uri="{BB962C8B-B14F-4D97-AF65-F5344CB8AC3E}">
-        <p14:creationId xmlns:p14="http://schemas.microsoft.com/office/powerpoint/2010/main" val="1303591528"/>
       </p:ext>
     </p:extLst>
   </p:cSld>
